--- a/Documentation/4 - Suivi projet/Point_Equipe_2015-07-27.pptx
+++ b/Documentation/4 - Suivi projet/Point_Equipe_2015-07-27.pptx
@@ -5,21 +5,20 @@
     <p:sldMasterId id="2147483660" r:id="rId1"/>
   </p:sldMasterIdLst>
   <p:notesMasterIdLst>
-    <p:notesMasterId r:id="rId14"/>
+    <p:notesMasterId r:id="rId13"/>
   </p:notesMasterIdLst>
   <p:sldIdLst>
     <p:sldId id="301" r:id="rId2"/>
     <p:sldId id="333" r:id="rId3"/>
     <p:sldId id="357" r:id="rId4"/>
-    <p:sldId id="376" r:id="rId5"/>
-    <p:sldId id="393" r:id="rId6"/>
-    <p:sldId id="395" r:id="rId7"/>
-    <p:sldId id="388" r:id="rId8"/>
-    <p:sldId id="394" r:id="rId9"/>
-    <p:sldId id="383" r:id="rId10"/>
-    <p:sldId id="387" r:id="rId11"/>
-    <p:sldId id="396" r:id="rId12"/>
-    <p:sldId id="361" r:id="rId13"/>
+    <p:sldId id="393" r:id="rId5"/>
+    <p:sldId id="395" r:id="rId6"/>
+    <p:sldId id="388" r:id="rId7"/>
+    <p:sldId id="394" r:id="rId8"/>
+    <p:sldId id="383" r:id="rId9"/>
+    <p:sldId id="387" r:id="rId10"/>
+    <p:sldId id="396" r:id="rId11"/>
+    <p:sldId id="361" r:id="rId12"/>
   </p:sldIdLst>
   <p:sldSz cx="9144000" cy="6858000" type="screen4x3"/>
   <p:notesSz cx="6797675" cy="9926638"/>
@@ -120,7 +119,7 @@
   </p:defaultTextStyle>
   <p:extLst>
     <p:ext uri="{EFAFB233-063F-42B5-8137-9DF3F51BA10A}">
-      <p15:sldGuideLst xmlns:p15="http://schemas.microsoft.com/office/powerpoint/2012/main" xmlns="">
+      <p15:sldGuideLst xmlns:p15="http://schemas.microsoft.com/office/powerpoint/2012/main">
         <p15:guide id="1" orient="horz" pos="2160">
           <p15:clr>
             <a:srgbClr val="A4A3A4"/>
@@ -389,7 +388,7 @@
     </p:spTree>
     <p:extLst>
       <p:ext uri="{BB962C8B-B14F-4D97-AF65-F5344CB8AC3E}">
-        <p14:creationId xmlns:p14="http://schemas.microsoft.com/office/powerpoint/2010/main" xmlns="" val="644369615"/>
+        <p14:creationId xmlns:p14="http://schemas.microsoft.com/office/powerpoint/2010/main" val="644369615"/>
       </p:ext>
     </p:extLst>
   </p:cSld>
@@ -564,7 +563,7 @@
     </p:spTree>
     <p:extLst>
       <p:ext uri="{BB962C8B-B14F-4D97-AF65-F5344CB8AC3E}">
-        <p14:creationId xmlns:p14="http://schemas.microsoft.com/office/powerpoint/2010/main" xmlns="" val="447969412"/>
+        <p14:creationId xmlns:p14="http://schemas.microsoft.com/office/powerpoint/2010/main" val="447969412"/>
       </p:ext>
     </p:extLst>
   </p:cSld>
@@ -649,7 +648,7 @@
     </p:spTree>
     <p:extLst>
       <p:ext uri="{BB962C8B-B14F-4D97-AF65-F5344CB8AC3E}">
-        <p14:creationId xmlns:p14="http://schemas.microsoft.com/office/powerpoint/2010/main" xmlns="" val="3203588683"/>
+        <p14:creationId xmlns:p14="http://schemas.microsoft.com/office/powerpoint/2010/main" val="3203588683"/>
       </p:ext>
     </p:extLst>
   </p:cSld>
@@ -734,92 +733,7 @@
     </p:spTree>
     <p:extLst>
       <p:ext uri="{BB962C8B-B14F-4D97-AF65-F5344CB8AC3E}">
-        <p14:creationId xmlns:p14="http://schemas.microsoft.com/office/powerpoint/2010/main" xmlns="" val="3203588683"/>
-      </p:ext>
-    </p:extLst>
-  </p:cSld>
-  <p:clrMapOvr>
-    <a:masterClrMapping/>
-  </p:clrMapOvr>
-</p:notes>
-</file>
-
-<file path=ppt/notesSlides/notesSlide12.xml><?xml version="1.0" encoding="utf-8"?>
-<p:notes xmlns:a="http://schemas.openxmlformats.org/drawingml/2006/main" xmlns:r="http://schemas.openxmlformats.org/officeDocument/2006/relationships" xmlns:p="http://schemas.openxmlformats.org/presentationml/2006/main">
-  <p:cSld>
-    <p:spTree>
-      <p:nvGrpSpPr>
-        <p:cNvPr id="1" name=""/>
-        <p:cNvGrpSpPr/>
-        <p:nvPr/>
-      </p:nvGrpSpPr>
-      <p:grpSpPr>
-        <a:xfrm>
-          <a:off x="0" y="0"/>
-          <a:ext cx="0" cy="0"/>
-          <a:chOff x="0" y="0"/>
-          <a:chExt cx="0" cy="0"/>
-        </a:xfrm>
-      </p:grpSpPr>
-      <p:sp>
-        <p:nvSpPr>
-          <p:cNvPr id="2" name="Espace réservé de l'image des diapositives 1"/>
-          <p:cNvSpPr>
-            <a:spLocks noGrp="1" noRot="1" noChangeAspect="1"/>
-          </p:cNvSpPr>
-          <p:nvPr>
-            <p:ph type="sldImg"/>
-          </p:nvPr>
-        </p:nvSpPr>
-        <p:spPr/>
-      </p:sp>
-      <p:sp>
-        <p:nvSpPr>
-          <p:cNvPr id="3" name="Espace réservé des commentaires 2"/>
-          <p:cNvSpPr>
-            <a:spLocks noGrp="1"/>
-          </p:cNvSpPr>
-          <p:nvPr>
-            <p:ph type="body" idx="1"/>
-          </p:nvPr>
-        </p:nvSpPr>
-        <p:spPr/>
-        <p:txBody>
-          <a:bodyPr/>
-          <a:lstStyle/>
-          <a:p>
-            <a:endParaRPr lang="fr-FR"/>
-          </a:p>
-        </p:txBody>
-      </p:sp>
-      <p:sp>
-        <p:nvSpPr>
-          <p:cNvPr id="4" name="Espace réservé du numéro de diapositive 3"/>
-          <p:cNvSpPr>
-            <a:spLocks noGrp="1"/>
-          </p:cNvSpPr>
-          <p:nvPr>
-            <p:ph type="sldNum" sz="quarter" idx="10"/>
-          </p:nvPr>
-        </p:nvSpPr>
-        <p:spPr/>
-        <p:txBody>
-          <a:bodyPr/>
-          <a:lstStyle/>
-          <a:p>
-            <a:fld id="{0C080E5F-76A7-426C-8874-1B043B738D2C}" type="slidenum">
-              <a:rPr lang="fr-FR" smtClean="0"/>
-              <a:pPr/>
-              <a:t>12</a:t>
-            </a:fld>
-            <a:endParaRPr lang="fr-FR"/>
-          </a:p>
-        </p:txBody>
-      </p:sp>
-    </p:spTree>
-    <p:extLst>
-      <p:ext uri="{BB962C8B-B14F-4D97-AF65-F5344CB8AC3E}">
-        <p14:creationId xmlns:p14="http://schemas.microsoft.com/office/powerpoint/2010/main" xmlns="" val="447969412"/>
+        <p14:creationId xmlns:p14="http://schemas.microsoft.com/office/powerpoint/2010/main" val="447969412"/>
       </p:ext>
     </p:extLst>
   </p:cSld>
@@ -904,7 +818,7 @@
     </p:spTree>
     <p:extLst>
       <p:ext uri="{BB962C8B-B14F-4D97-AF65-F5344CB8AC3E}">
-        <p14:creationId xmlns:p14="http://schemas.microsoft.com/office/powerpoint/2010/main" xmlns="" val="447969412"/>
+        <p14:creationId xmlns:p14="http://schemas.microsoft.com/office/powerpoint/2010/main" val="447969412"/>
       </p:ext>
     </p:extLst>
   </p:cSld>
@@ -989,7 +903,7 @@
     </p:spTree>
     <p:extLst>
       <p:ext uri="{BB962C8B-B14F-4D97-AF65-F5344CB8AC3E}">
-        <p14:creationId xmlns:p14="http://schemas.microsoft.com/office/powerpoint/2010/main" xmlns="" val="447969412"/>
+        <p14:creationId xmlns:p14="http://schemas.microsoft.com/office/powerpoint/2010/main" val="447969412"/>
       </p:ext>
     </p:extLst>
   </p:cSld>
@@ -1074,7 +988,7 @@
     </p:spTree>
     <p:extLst>
       <p:ext uri="{BB962C8B-B14F-4D97-AF65-F5344CB8AC3E}">
-        <p14:creationId xmlns:p14="http://schemas.microsoft.com/office/powerpoint/2010/main" xmlns="" val="447969412"/>
+        <p14:creationId xmlns:p14="http://schemas.microsoft.com/office/powerpoint/2010/main" val="447969412"/>
       </p:ext>
     </p:extLst>
   </p:cSld>
@@ -1159,7 +1073,7 @@
     </p:spTree>
     <p:extLst>
       <p:ext uri="{BB962C8B-B14F-4D97-AF65-F5344CB8AC3E}">
-        <p14:creationId xmlns:p14="http://schemas.microsoft.com/office/powerpoint/2010/main" xmlns="" val="447969412"/>
+        <p14:creationId xmlns:p14="http://schemas.microsoft.com/office/powerpoint/2010/main" val="447969412"/>
       </p:ext>
     </p:extLst>
   </p:cSld>
@@ -1244,7 +1158,7 @@
     </p:spTree>
     <p:extLst>
       <p:ext uri="{BB962C8B-B14F-4D97-AF65-F5344CB8AC3E}">
-        <p14:creationId xmlns:p14="http://schemas.microsoft.com/office/powerpoint/2010/main" xmlns="" val="447969412"/>
+        <p14:creationId xmlns:p14="http://schemas.microsoft.com/office/powerpoint/2010/main" val="447969412"/>
       </p:ext>
     </p:extLst>
   </p:cSld>
@@ -1329,7 +1243,7 @@
     </p:spTree>
     <p:extLst>
       <p:ext uri="{BB962C8B-B14F-4D97-AF65-F5344CB8AC3E}">
-        <p14:creationId xmlns:p14="http://schemas.microsoft.com/office/powerpoint/2010/main" xmlns="" val="447969412"/>
+        <p14:creationId xmlns:p14="http://schemas.microsoft.com/office/powerpoint/2010/main" val="3203588683"/>
       </p:ext>
     </p:extLst>
   </p:cSld>
@@ -1414,7 +1328,7 @@
     </p:spTree>
     <p:extLst>
       <p:ext uri="{BB962C8B-B14F-4D97-AF65-F5344CB8AC3E}">
-        <p14:creationId xmlns:p14="http://schemas.microsoft.com/office/powerpoint/2010/main" xmlns="" val="3203588683"/>
+        <p14:creationId xmlns:p14="http://schemas.microsoft.com/office/powerpoint/2010/main" val="3203588683"/>
       </p:ext>
     </p:extLst>
   </p:cSld>
@@ -1499,7 +1413,7 @@
     </p:spTree>
     <p:extLst>
       <p:ext uri="{BB962C8B-B14F-4D97-AF65-F5344CB8AC3E}">
-        <p14:creationId xmlns:p14="http://schemas.microsoft.com/office/powerpoint/2010/main" xmlns="" val="3203588683"/>
+        <p14:creationId xmlns:p14="http://schemas.microsoft.com/office/powerpoint/2010/main" val="3203588683"/>
       </p:ext>
     </p:extLst>
   </p:cSld>
@@ -1538,7 +1452,7 @@
           <a:blip r:embed="rId2" cstate="email">
             <a:extLst>
               <a:ext uri="{28A0092B-C50C-407E-A947-70E740481C1C}">
-                <a14:useLocalDpi xmlns:a14="http://schemas.microsoft.com/office/drawing/2010/main" xmlns="" val="0"/>
+                <a14:useLocalDpi xmlns:a14="http://schemas.microsoft.com/office/drawing/2010/main" val="0"/>
               </a:ext>
             </a:extLst>
           </a:blip>
@@ -1561,14 +1475,14 @@
           </a:ln>
           <a:extLst>
             <a:ext uri="{909E8E84-426E-40DD-AFC4-6F175D3DCCD1}">
-              <a14:hiddenFill xmlns:a14="http://schemas.microsoft.com/office/drawing/2010/main" xmlns="">
+              <a14:hiddenFill xmlns:a14="http://schemas.microsoft.com/office/drawing/2010/main">
                 <a:solidFill>
                   <a:schemeClr val="accent1"/>
                 </a:solidFill>
               </a14:hiddenFill>
             </a:ext>
             <a:ext uri="{91240B29-F687-4F45-9708-019B960494DF}">
-              <a14:hiddenLine xmlns:a14="http://schemas.microsoft.com/office/drawing/2010/main" xmlns="" w="9525">
+              <a14:hiddenLine xmlns:a14="http://schemas.microsoft.com/office/drawing/2010/main" w="9525">
                 <a:solidFill>
                   <a:schemeClr val="tx1"/>
                 </a:solidFill>
@@ -1851,7 +1765,7 @@
     </p:spTree>
     <p:extLst>
       <p:ext uri="{BB962C8B-B14F-4D97-AF65-F5344CB8AC3E}">
-        <p14:creationId xmlns:p14="http://schemas.microsoft.com/office/powerpoint/2010/main" xmlns="" val="2439187425"/>
+        <p14:creationId xmlns:p14="http://schemas.microsoft.com/office/powerpoint/2010/main" val="2439187425"/>
       </p:ext>
     </p:extLst>
   </p:cSld>
@@ -2030,7 +1944,7 @@
     </p:spTree>
     <p:extLst>
       <p:ext uri="{BB962C8B-B14F-4D97-AF65-F5344CB8AC3E}">
-        <p14:creationId xmlns:p14="http://schemas.microsoft.com/office/powerpoint/2010/main" xmlns="" val="2277311567"/>
+        <p14:creationId xmlns:p14="http://schemas.microsoft.com/office/powerpoint/2010/main" val="2277311567"/>
       </p:ext>
     </p:extLst>
   </p:cSld>
@@ -2212,7 +2126,7 @@
     </p:spTree>
     <p:extLst>
       <p:ext uri="{BB962C8B-B14F-4D97-AF65-F5344CB8AC3E}">
-        <p14:creationId xmlns:p14="http://schemas.microsoft.com/office/powerpoint/2010/main" xmlns="" val="1382734851"/>
+        <p14:creationId xmlns:p14="http://schemas.microsoft.com/office/powerpoint/2010/main" val="1382734851"/>
       </p:ext>
     </p:extLst>
   </p:cSld>
@@ -2384,7 +2298,7 @@
     </p:spTree>
     <p:extLst>
       <p:ext uri="{BB962C8B-B14F-4D97-AF65-F5344CB8AC3E}">
-        <p14:creationId xmlns:p14="http://schemas.microsoft.com/office/powerpoint/2010/main" xmlns="" val="1730161274"/>
+        <p14:creationId xmlns:p14="http://schemas.microsoft.com/office/powerpoint/2010/main" val="1730161274"/>
       </p:ext>
     </p:extLst>
   </p:cSld>
@@ -2632,7 +2546,7 @@
     </p:spTree>
     <p:extLst>
       <p:ext uri="{BB962C8B-B14F-4D97-AF65-F5344CB8AC3E}">
-        <p14:creationId xmlns:p14="http://schemas.microsoft.com/office/powerpoint/2010/main" xmlns="" val="3623823994"/>
+        <p14:creationId xmlns:p14="http://schemas.microsoft.com/office/powerpoint/2010/main" val="3623823994"/>
       </p:ext>
     </p:extLst>
   </p:cSld>
@@ -2922,7 +2836,7 @@
     </p:spTree>
     <p:extLst>
       <p:ext uri="{BB962C8B-B14F-4D97-AF65-F5344CB8AC3E}">
-        <p14:creationId xmlns:p14="http://schemas.microsoft.com/office/powerpoint/2010/main" xmlns="" val="2477640779"/>
+        <p14:creationId xmlns:p14="http://schemas.microsoft.com/office/powerpoint/2010/main" val="2477640779"/>
       </p:ext>
     </p:extLst>
   </p:cSld>
@@ -3346,7 +3260,7 @@
     </p:spTree>
     <p:extLst>
       <p:ext uri="{BB962C8B-B14F-4D97-AF65-F5344CB8AC3E}">
-        <p14:creationId xmlns:p14="http://schemas.microsoft.com/office/powerpoint/2010/main" xmlns="" val="839060086"/>
+        <p14:creationId xmlns:p14="http://schemas.microsoft.com/office/powerpoint/2010/main" val="839060086"/>
       </p:ext>
     </p:extLst>
   </p:cSld>
@@ -3466,7 +3380,7 @@
     </p:spTree>
     <p:extLst>
       <p:ext uri="{BB962C8B-B14F-4D97-AF65-F5344CB8AC3E}">
-        <p14:creationId xmlns:p14="http://schemas.microsoft.com/office/powerpoint/2010/main" xmlns="" val="2000422401"/>
+        <p14:creationId xmlns:p14="http://schemas.microsoft.com/office/powerpoint/2010/main" val="2000422401"/>
       </p:ext>
     </p:extLst>
   </p:cSld>
@@ -3563,7 +3477,7 @@
     </p:spTree>
     <p:extLst>
       <p:ext uri="{BB962C8B-B14F-4D97-AF65-F5344CB8AC3E}">
-        <p14:creationId xmlns:p14="http://schemas.microsoft.com/office/powerpoint/2010/main" xmlns="" val="1625092074"/>
+        <p14:creationId xmlns:p14="http://schemas.microsoft.com/office/powerpoint/2010/main" val="1625092074"/>
       </p:ext>
     </p:extLst>
   </p:cSld>
@@ -3842,7 +3756,7 @@
     </p:spTree>
     <p:extLst>
       <p:ext uri="{BB962C8B-B14F-4D97-AF65-F5344CB8AC3E}">
-        <p14:creationId xmlns:p14="http://schemas.microsoft.com/office/powerpoint/2010/main" xmlns="" val="1562112021"/>
+        <p14:creationId xmlns:p14="http://schemas.microsoft.com/office/powerpoint/2010/main" val="1562112021"/>
       </p:ext>
     </p:extLst>
   </p:cSld>
@@ -4097,7 +4011,7 @@
     </p:spTree>
     <p:extLst>
       <p:ext uri="{BB962C8B-B14F-4D97-AF65-F5344CB8AC3E}">
-        <p14:creationId xmlns:p14="http://schemas.microsoft.com/office/powerpoint/2010/main" xmlns="" val="2251527463"/>
+        <p14:creationId xmlns:p14="http://schemas.microsoft.com/office/powerpoint/2010/main" val="2251527463"/>
       </p:ext>
     </p:extLst>
   </p:cSld>
@@ -4348,7 +4262,7 @@
     </p:spTree>
     <p:extLst>
       <p:ext uri="{BB962C8B-B14F-4D97-AF65-F5344CB8AC3E}">
-        <p14:creationId xmlns:p14="http://schemas.microsoft.com/office/powerpoint/2010/main" xmlns="" val="689816528"/>
+        <p14:creationId xmlns:p14="http://schemas.microsoft.com/office/powerpoint/2010/main" val="689816528"/>
       </p:ext>
     </p:extLst>
   </p:cSld>
@@ -4720,7 +4634,7 @@
           <a:blip r:embed="rId3" cstate="email">
             <a:extLst>
               <a:ext uri="{28A0092B-C50C-407E-A947-70E740481C1C}">
-                <a14:useLocalDpi xmlns:a14="http://schemas.microsoft.com/office/drawing/2010/main" xmlns="" val="0"/>
+                <a14:useLocalDpi xmlns:a14="http://schemas.microsoft.com/office/drawing/2010/main" val="0"/>
               </a:ext>
             </a:extLst>
           </a:blip>
@@ -4741,14 +4655,14 @@
           </a:ln>
           <a:extLst>
             <a:ext uri="{909E8E84-426E-40DD-AFC4-6F175D3DCCD1}">
-              <a14:hiddenFill xmlns:a14="http://schemas.microsoft.com/office/drawing/2010/main" xmlns="">
+              <a14:hiddenFill xmlns:a14="http://schemas.microsoft.com/office/drawing/2010/main">
                 <a:solidFill>
                   <a:schemeClr val="accent1"/>
                 </a:solidFill>
               </a14:hiddenFill>
             </a:ext>
             <a:ext uri="{91240B29-F687-4F45-9708-019B960494DF}">
-              <a14:hiddenLine xmlns:a14="http://schemas.microsoft.com/office/drawing/2010/main" xmlns="" w="9525">
+              <a14:hiddenLine xmlns:a14="http://schemas.microsoft.com/office/drawing/2010/main" w="9525">
                 <a:solidFill>
                   <a:schemeClr val="tx1"/>
                 </a:solidFill>
@@ -4893,7 +4807,7 @@
     </p:spTree>
     <p:extLst>
       <p:ext uri="{BB962C8B-B14F-4D97-AF65-F5344CB8AC3E}">
-        <p14:creationId xmlns:p14="http://schemas.microsoft.com/office/powerpoint/2010/main" xmlns="" val="3506473687"/>
+        <p14:creationId xmlns:p14="http://schemas.microsoft.com/office/powerpoint/2010/main" val="3506473687"/>
       </p:ext>
     </p:extLst>
   </p:cSld>
@@ -4927,707 +4841,6 @@
           <a:chExt cx="0" cy="0"/>
         </a:xfrm>
       </p:grpSpPr>
-      <p:sp>
-        <p:nvSpPr>
-          <p:cNvPr id="10" name="ZoneTexte 9"/>
-          <p:cNvSpPr txBox="1"/>
-          <p:nvPr/>
-        </p:nvSpPr>
-        <p:spPr>
-          <a:xfrm>
-            <a:off x="107504" y="107340"/>
-            <a:ext cx="1403910" cy="369332"/>
-          </a:xfrm>
-          <a:prstGeom prst="rect">
-            <a:avLst/>
-          </a:prstGeom>
-        </p:spPr>
-        <p:style>
-          <a:lnRef idx="0">
-            <a:schemeClr val="accent1"/>
-          </a:lnRef>
-          <a:fillRef idx="3">
-            <a:schemeClr val="accent1"/>
-          </a:fillRef>
-          <a:effectRef idx="3">
-            <a:schemeClr val="accent1"/>
-          </a:effectRef>
-          <a:fontRef idx="minor">
-            <a:schemeClr val="lt1"/>
-          </a:fontRef>
-        </p:style>
-        <p:txBody>
-          <a:bodyPr wrap="none" rtlCol="0">
-            <a:spAutoFit/>
-          </a:bodyPr>
-          <a:lstStyle/>
-          <a:p>
-            <a:r>
-              <a:rPr lang="fr-FR" dirty="0" smtClean="0"/>
-              <a:t>Reports SSRS</a:t>
-            </a:r>
-            <a:endParaRPr lang="fr-FR" dirty="0"/>
-          </a:p>
-        </p:txBody>
-      </p:sp>
-      <p:sp>
-        <p:nvSpPr>
-          <p:cNvPr id="8" name="Rectangle 7"/>
-          <p:cNvSpPr/>
-          <p:nvPr/>
-        </p:nvSpPr>
-        <p:spPr>
-          <a:xfrm>
-            <a:off x="683568" y="620688"/>
-            <a:ext cx="8280920" cy="5586145"/>
-          </a:xfrm>
-          <a:prstGeom prst="rect">
-            <a:avLst/>
-          </a:prstGeom>
-        </p:spPr>
-        <p:txBody>
-          <a:bodyPr wrap="square">
-            <a:spAutoFit/>
-          </a:bodyPr>
-          <a:lstStyle/>
-          <a:p>
-            <a:pPr>
-              <a:spcBef>
-                <a:spcPts val="300"/>
-              </a:spcBef>
-              <a:spcAft>
-                <a:spcPts val="300"/>
-              </a:spcAft>
-            </a:pPr>
-            <a:r>
-              <a:rPr lang="fr-FR" sz="1600" b="1" u="sng" dirty="0" smtClean="0"/>
-              <a:t>Pour les métiers de la Direction</a:t>
-            </a:r>
-          </a:p>
-          <a:p>
-            <a:pPr>
-              <a:spcBef>
-                <a:spcPts val="300"/>
-              </a:spcBef>
-              <a:spcAft>
-                <a:spcPts val="300"/>
-              </a:spcAft>
-            </a:pPr>
-            <a:r>
-              <a:rPr lang="fr-FR" sz="1600" dirty="0" smtClean="0"/>
-              <a:t>Evolution (du CA ; de la marge) </a:t>
-            </a:r>
-            <a:r>
-              <a:rPr lang="fr-FR" sz="1600" dirty="0" smtClean="0">
-                <a:sym typeface="Symbol"/>
-              </a:rPr>
-              <a:t> (par mois ; par année ; par département)</a:t>
-            </a:r>
-            <a:endParaRPr lang="fr-FR" sz="1600" dirty="0" smtClean="0"/>
-          </a:p>
-          <a:p>
-            <a:pPr lvl="1">
-              <a:spcBef>
-                <a:spcPts val="300"/>
-              </a:spcBef>
-              <a:spcAft>
-                <a:spcPts val="300"/>
-              </a:spcAft>
-              <a:buFont typeface="Wingdings" pitchFamily="2" charset="2"/>
-              <a:buChar char="Ø"/>
-            </a:pPr>
-            <a:r>
-              <a:rPr lang="fr-FR" sz="1400" b="1" dirty="0" smtClean="0"/>
-              <a:t>  Report R1 </a:t>
-            </a:r>
-            <a:r>
-              <a:rPr lang="fr-FR" sz="1400" dirty="0" smtClean="0"/>
-              <a:t>: Evolution </a:t>
-            </a:r>
-            <a:r>
-              <a:rPr lang="fr-FR" sz="1400" u="sng" dirty="0" smtClean="0"/>
-              <a:t>CA et marge</a:t>
-            </a:r>
-            <a:r>
-              <a:rPr lang="fr-FR" sz="1400" dirty="0" smtClean="0"/>
-              <a:t> par </a:t>
-            </a:r>
-            <a:r>
-              <a:rPr lang="fr-FR" sz="1400" u="sng" dirty="0" smtClean="0"/>
-              <a:t>mois</a:t>
-            </a:r>
-            <a:r>
-              <a:rPr lang="fr-FR" sz="1400" dirty="0" smtClean="0"/>
-              <a:t> sur la </a:t>
-            </a:r>
-            <a:r>
-              <a:rPr lang="fr-FR" sz="1400" u="sng" dirty="0" smtClean="0"/>
-              <a:t>France entière</a:t>
-            </a:r>
-          </a:p>
-          <a:p>
-            <a:pPr lvl="1">
-              <a:spcBef>
-                <a:spcPts val="300"/>
-              </a:spcBef>
-              <a:spcAft>
-                <a:spcPts val="300"/>
-              </a:spcAft>
-              <a:buFont typeface="Wingdings" pitchFamily="2" charset="2"/>
-              <a:buChar char="Ø"/>
-            </a:pPr>
-            <a:r>
-              <a:rPr lang="fr-FR" sz="1400" dirty="0" smtClean="0"/>
-              <a:t>  </a:t>
-            </a:r>
-            <a:r>
-              <a:rPr lang="fr-FR" sz="1400" b="1" dirty="0" smtClean="0"/>
-              <a:t>Report R2 </a:t>
-            </a:r>
-            <a:r>
-              <a:rPr lang="fr-FR" sz="1400" dirty="0" smtClean="0"/>
-              <a:t>: Evolution </a:t>
-            </a:r>
-            <a:r>
-              <a:rPr lang="fr-FR" sz="1400" u="sng" dirty="0" smtClean="0"/>
-              <a:t>CA et marge</a:t>
-            </a:r>
-            <a:r>
-              <a:rPr lang="fr-FR" sz="1400" dirty="0" smtClean="0"/>
-              <a:t> par </a:t>
-            </a:r>
-            <a:r>
-              <a:rPr lang="fr-FR" sz="1400" u="sng" dirty="0" smtClean="0"/>
-              <a:t>année</a:t>
-            </a:r>
-            <a:r>
-              <a:rPr lang="fr-FR" sz="1400" dirty="0" smtClean="0"/>
-              <a:t> sur la </a:t>
-            </a:r>
-            <a:r>
-              <a:rPr lang="fr-FR" sz="1400" u="sng" dirty="0" smtClean="0"/>
-              <a:t>France entière</a:t>
-            </a:r>
-          </a:p>
-          <a:p>
-            <a:pPr lvl="1">
-              <a:spcBef>
-                <a:spcPts val="300"/>
-              </a:spcBef>
-              <a:spcAft>
-                <a:spcPts val="300"/>
-              </a:spcAft>
-              <a:buFont typeface="Wingdings" pitchFamily="2" charset="2"/>
-              <a:buChar char="Ø"/>
-            </a:pPr>
-            <a:r>
-              <a:rPr lang="fr-FR" sz="1400" dirty="0" smtClean="0"/>
-              <a:t>  </a:t>
-            </a:r>
-            <a:r>
-              <a:rPr lang="fr-FR" sz="1400" b="1" dirty="0" smtClean="0"/>
-              <a:t>Report R3 </a:t>
-            </a:r>
-            <a:r>
-              <a:rPr lang="fr-FR" sz="1400" dirty="0" smtClean="0"/>
-              <a:t>: Evolution </a:t>
-            </a:r>
-            <a:r>
-              <a:rPr lang="fr-FR" sz="1400" u="sng" dirty="0" smtClean="0"/>
-              <a:t>CA et marge</a:t>
-            </a:r>
-            <a:r>
-              <a:rPr lang="fr-FR" sz="1400" dirty="0" smtClean="0"/>
-              <a:t> par </a:t>
-            </a:r>
-            <a:r>
-              <a:rPr lang="fr-FR" sz="1400" u="sng" dirty="0" smtClean="0"/>
-              <a:t>mois</a:t>
-            </a:r>
-            <a:r>
-              <a:rPr lang="fr-FR" sz="1400" dirty="0" smtClean="0"/>
-              <a:t> par </a:t>
-            </a:r>
-            <a:r>
-              <a:rPr lang="fr-FR" sz="1400" u="sng" dirty="0" smtClean="0"/>
-              <a:t>département</a:t>
-            </a:r>
-          </a:p>
-          <a:p>
-            <a:pPr lvl="1">
-              <a:spcBef>
-                <a:spcPts val="300"/>
-              </a:spcBef>
-              <a:spcAft>
-                <a:spcPts val="300"/>
-              </a:spcAft>
-              <a:buFont typeface="Wingdings" pitchFamily="2" charset="2"/>
-              <a:buChar char="Ø"/>
-            </a:pPr>
-            <a:r>
-              <a:rPr lang="fr-FR" sz="1400" dirty="0" smtClean="0"/>
-              <a:t> </a:t>
-            </a:r>
-            <a:r>
-              <a:rPr lang="fr-FR" sz="1400" b="1" dirty="0" smtClean="0"/>
-              <a:t> Report R4 </a:t>
-            </a:r>
-            <a:r>
-              <a:rPr lang="fr-FR" sz="1400" dirty="0" smtClean="0"/>
-              <a:t>: Evolution </a:t>
-            </a:r>
-            <a:r>
-              <a:rPr lang="fr-FR" sz="1400" u="sng" dirty="0" smtClean="0"/>
-              <a:t>CA et marge</a:t>
-            </a:r>
-            <a:r>
-              <a:rPr lang="fr-FR" sz="1400" dirty="0" smtClean="0"/>
-              <a:t> par </a:t>
-            </a:r>
-            <a:r>
-              <a:rPr lang="fr-FR" sz="1400" u="sng" dirty="0" smtClean="0"/>
-              <a:t>année</a:t>
-            </a:r>
-            <a:r>
-              <a:rPr lang="fr-FR" sz="1400" dirty="0" smtClean="0"/>
-              <a:t> par </a:t>
-            </a:r>
-            <a:r>
-              <a:rPr lang="fr-FR" sz="1400" u="sng" dirty="0" smtClean="0"/>
-              <a:t>département</a:t>
-            </a:r>
-          </a:p>
-          <a:p>
-            <a:pPr>
-              <a:spcBef>
-                <a:spcPts val="300"/>
-              </a:spcBef>
-              <a:spcAft>
-                <a:spcPts val="300"/>
-              </a:spcAft>
-            </a:pPr>
-            <a:endParaRPr lang="fr-FR" sz="1600" b="1" dirty="0" smtClean="0"/>
-          </a:p>
-          <a:p>
-            <a:pPr>
-              <a:spcBef>
-                <a:spcPts val="300"/>
-              </a:spcBef>
-              <a:spcAft>
-                <a:spcPts val="300"/>
-              </a:spcAft>
-            </a:pPr>
-            <a:r>
-              <a:rPr lang="fr-FR" sz="1600" b="1" u="sng" dirty="0" smtClean="0"/>
-              <a:t>Pour les métiers du Marketing</a:t>
-            </a:r>
-          </a:p>
-          <a:p>
-            <a:pPr>
-              <a:spcBef>
-                <a:spcPts val="300"/>
-              </a:spcBef>
-              <a:spcAft>
-                <a:spcPts val="300"/>
-              </a:spcAft>
-            </a:pPr>
-            <a:r>
-              <a:rPr lang="fr-FR" sz="1600" dirty="0" smtClean="0"/>
-              <a:t>Evolution</a:t>
-            </a:r>
-            <a:r>
-              <a:rPr lang="fr-FR" sz="1600" b="1" dirty="0" smtClean="0"/>
-              <a:t> (</a:t>
-            </a:r>
-            <a:r>
-              <a:rPr lang="fr-FR" sz="1600" dirty="0" smtClean="0"/>
-              <a:t>du volume des ventes) </a:t>
-            </a:r>
-            <a:r>
-              <a:rPr lang="fr-FR" sz="1600" dirty="0" smtClean="0">
-                <a:sym typeface="Symbol"/>
-              </a:rPr>
-              <a:t> (par mois ; par département ; par type de produit)</a:t>
-            </a:r>
-            <a:endParaRPr lang="fr-FR" sz="1600" b="1" dirty="0" smtClean="0"/>
-          </a:p>
-          <a:p>
-            <a:pPr lvl="1">
-              <a:spcBef>
-                <a:spcPts val="300"/>
-              </a:spcBef>
-              <a:spcAft>
-                <a:spcPts val="300"/>
-              </a:spcAft>
-              <a:buFont typeface="Wingdings" pitchFamily="2" charset="2"/>
-              <a:buChar char="Ø"/>
-            </a:pPr>
-            <a:r>
-              <a:rPr lang="fr-FR" sz="1400" b="1" dirty="0" smtClean="0"/>
-              <a:t>  Report R5 </a:t>
-            </a:r>
-            <a:r>
-              <a:rPr lang="fr-FR" sz="1400" dirty="0" smtClean="0"/>
-              <a:t>: Evolution du </a:t>
-            </a:r>
-            <a:r>
-              <a:rPr lang="fr-FR" sz="1400" u="sng" dirty="0" smtClean="0"/>
-              <a:t>vol des ventes</a:t>
-            </a:r>
-            <a:r>
-              <a:rPr lang="fr-FR" sz="1400" dirty="0" smtClean="0"/>
-              <a:t> par </a:t>
-            </a:r>
-            <a:r>
-              <a:rPr lang="fr-FR" sz="1400" u="sng" dirty="0" smtClean="0"/>
-              <a:t>mois</a:t>
-            </a:r>
-            <a:r>
-              <a:rPr lang="fr-FR" sz="1400" dirty="0" smtClean="0"/>
-              <a:t> sur la </a:t>
-            </a:r>
-            <a:r>
-              <a:rPr lang="fr-FR" sz="1400" u="sng" dirty="0" smtClean="0"/>
-              <a:t>France entière</a:t>
-            </a:r>
-            <a:r>
-              <a:rPr lang="fr-FR" sz="1400" dirty="0" smtClean="0"/>
-              <a:t> par </a:t>
-            </a:r>
-            <a:r>
-              <a:rPr lang="fr-FR" sz="1400" u="sng" dirty="0" smtClean="0"/>
-              <a:t>rayon de produit</a:t>
-            </a:r>
-          </a:p>
-          <a:p>
-            <a:pPr lvl="1">
-              <a:spcBef>
-                <a:spcPts val="300"/>
-              </a:spcBef>
-              <a:spcAft>
-                <a:spcPts val="300"/>
-              </a:spcAft>
-              <a:buFont typeface="Wingdings" pitchFamily="2" charset="2"/>
-              <a:buChar char="Ø"/>
-            </a:pPr>
-            <a:r>
-              <a:rPr lang="fr-FR" sz="1400" b="1" dirty="0" smtClean="0"/>
-              <a:t>  Report R6 </a:t>
-            </a:r>
-            <a:r>
-              <a:rPr lang="fr-FR" sz="1400" dirty="0" smtClean="0"/>
-              <a:t>: Evolution du </a:t>
-            </a:r>
-            <a:r>
-              <a:rPr lang="fr-FR" sz="1400" u="sng" dirty="0" smtClean="0"/>
-              <a:t>vol des ventes</a:t>
-            </a:r>
-            <a:r>
-              <a:rPr lang="fr-FR" sz="1400" dirty="0" smtClean="0"/>
-              <a:t> par </a:t>
-            </a:r>
-            <a:r>
-              <a:rPr lang="fr-FR" sz="1400" u="sng" dirty="0" smtClean="0"/>
-              <a:t>mois</a:t>
-            </a:r>
-            <a:r>
-              <a:rPr lang="fr-FR" sz="1400" dirty="0" smtClean="0"/>
-              <a:t> sur la </a:t>
-            </a:r>
-            <a:r>
-              <a:rPr lang="fr-FR" sz="1400" u="sng" dirty="0" smtClean="0"/>
-              <a:t>France entière</a:t>
-            </a:r>
-            <a:r>
-              <a:rPr lang="fr-FR" sz="1400" dirty="0" smtClean="0"/>
-              <a:t> par </a:t>
-            </a:r>
-            <a:r>
-              <a:rPr lang="fr-FR" sz="1400" u="sng" dirty="0" smtClean="0"/>
-              <a:t>famille de produit</a:t>
-            </a:r>
-          </a:p>
-          <a:p>
-            <a:pPr lvl="1">
-              <a:spcBef>
-                <a:spcPts val="300"/>
-              </a:spcBef>
-              <a:spcAft>
-                <a:spcPts val="300"/>
-              </a:spcAft>
-              <a:buFont typeface="Wingdings" pitchFamily="2" charset="2"/>
-              <a:buChar char="Ø"/>
-            </a:pPr>
-            <a:r>
-              <a:rPr lang="fr-FR" sz="1400" dirty="0" smtClean="0"/>
-              <a:t>  </a:t>
-            </a:r>
-            <a:r>
-              <a:rPr lang="fr-FR" sz="1400" b="1" dirty="0" smtClean="0"/>
-              <a:t>Report R7 </a:t>
-            </a:r>
-            <a:r>
-              <a:rPr lang="fr-FR" sz="1400" dirty="0" smtClean="0"/>
-              <a:t>: Evolution du </a:t>
-            </a:r>
-            <a:r>
-              <a:rPr lang="fr-FR" sz="1400" u="sng" dirty="0" smtClean="0"/>
-              <a:t>vol des ventes</a:t>
-            </a:r>
-            <a:r>
-              <a:rPr lang="fr-FR" sz="1400" dirty="0" smtClean="0"/>
-              <a:t> par </a:t>
-            </a:r>
-            <a:r>
-              <a:rPr lang="fr-FR" sz="1400" u="sng" dirty="0" smtClean="0"/>
-              <a:t>mois</a:t>
-            </a:r>
-            <a:r>
-              <a:rPr lang="fr-FR" sz="1400" dirty="0" smtClean="0"/>
-              <a:t> par </a:t>
-            </a:r>
-            <a:r>
-              <a:rPr lang="fr-FR" sz="1400" u="sng" dirty="0" smtClean="0"/>
-              <a:t>département</a:t>
-            </a:r>
-            <a:r>
-              <a:rPr lang="fr-FR" sz="1400" dirty="0" smtClean="0"/>
-              <a:t> et par </a:t>
-            </a:r>
-            <a:r>
-              <a:rPr lang="fr-FR" sz="1400" u="sng" dirty="0" smtClean="0"/>
-              <a:t>rayon de produit</a:t>
-            </a:r>
-          </a:p>
-          <a:p>
-            <a:pPr lvl="1">
-              <a:spcBef>
-                <a:spcPts val="300"/>
-              </a:spcBef>
-              <a:spcAft>
-                <a:spcPts val="300"/>
-              </a:spcAft>
-              <a:buFont typeface="Wingdings" pitchFamily="2" charset="2"/>
-              <a:buChar char="Ø"/>
-            </a:pPr>
-            <a:r>
-              <a:rPr lang="fr-FR" sz="1400" b="1" dirty="0" smtClean="0"/>
-              <a:t>  Report R8 </a:t>
-            </a:r>
-            <a:r>
-              <a:rPr lang="fr-FR" sz="1400" dirty="0" smtClean="0"/>
-              <a:t>: Evolution du </a:t>
-            </a:r>
-            <a:r>
-              <a:rPr lang="fr-FR" sz="1400" u="sng" dirty="0" smtClean="0"/>
-              <a:t>vol des ventes</a:t>
-            </a:r>
-            <a:r>
-              <a:rPr lang="fr-FR" sz="1400" dirty="0" smtClean="0"/>
-              <a:t> par </a:t>
-            </a:r>
-            <a:r>
-              <a:rPr lang="fr-FR" sz="1400" u="sng" dirty="0" smtClean="0"/>
-              <a:t>mois</a:t>
-            </a:r>
-            <a:r>
-              <a:rPr lang="fr-FR" sz="1400" dirty="0" smtClean="0"/>
-              <a:t> par </a:t>
-            </a:r>
-            <a:r>
-              <a:rPr lang="fr-FR" sz="1400" u="sng" dirty="0" smtClean="0"/>
-              <a:t>département</a:t>
-            </a:r>
-            <a:r>
-              <a:rPr lang="fr-FR" sz="1400" dirty="0" smtClean="0"/>
-              <a:t> et par </a:t>
-            </a:r>
-            <a:r>
-              <a:rPr lang="fr-FR" sz="1400" u="sng" dirty="0" smtClean="0"/>
-              <a:t>famille de produit</a:t>
-            </a:r>
-            <a:endParaRPr lang="fr-FR" sz="1400" b="1" u="sng" dirty="0" smtClean="0"/>
-          </a:p>
-          <a:p>
-            <a:pPr>
-              <a:spcBef>
-                <a:spcPts val="300"/>
-              </a:spcBef>
-              <a:spcAft>
-                <a:spcPts val="300"/>
-              </a:spcAft>
-            </a:pPr>
-            <a:endParaRPr lang="fr-FR" sz="1600" b="1" u="sng" dirty="0" smtClean="0"/>
-          </a:p>
-          <a:p>
-            <a:pPr>
-              <a:spcBef>
-                <a:spcPts val="300"/>
-              </a:spcBef>
-              <a:spcAft>
-                <a:spcPts val="300"/>
-              </a:spcAft>
-            </a:pPr>
-            <a:r>
-              <a:rPr lang="fr-FR" sz="1600" dirty="0" smtClean="0"/>
-              <a:t>Evolution</a:t>
-            </a:r>
-            <a:r>
-              <a:rPr lang="fr-FR" sz="1600" b="1" dirty="0" smtClean="0"/>
-              <a:t> (</a:t>
-            </a:r>
-            <a:r>
-              <a:rPr lang="fr-FR" sz="1600" dirty="0" smtClean="0"/>
-              <a:t>du taux de percée) </a:t>
-            </a:r>
-            <a:r>
-              <a:rPr lang="fr-FR" sz="1600" dirty="0" smtClean="0">
-                <a:sym typeface="Symbol"/>
-              </a:rPr>
-              <a:t></a:t>
-            </a:r>
-            <a:r>
-              <a:rPr lang="fr-FR" sz="1600" dirty="0" smtClean="0"/>
-              <a:t> </a:t>
-            </a:r>
-            <a:r>
-              <a:rPr lang="fr-FR" sz="1600" dirty="0" smtClean="0">
-                <a:sym typeface="Symbol"/>
-              </a:rPr>
-              <a:t>(par mois ; par département ; par magasin)</a:t>
-            </a:r>
-            <a:endParaRPr lang="fr-FR" sz="1600" b="1" dirty="0" smtClean="0"/>
-          </a:p>
-          <a:p>
-            <a:pPr lvl="1">
-              <a:spcBef>
-                <a:spcPts val="300"/>
-              </a:spcBef>
-              <a:spcAft>
-                <a:spcPts val="300"/>
-              </a:spcAft>
-              <a:buFont typeface="Wingdings" pitchFamily="2" charset="2"/>
-              <a:buChar char="Ø"/>
-            </a:pPr>
-            <a:r>
-              <a:rPr lang="fr-FR" sz="1400" b="1" dirty="0" smtClean="0"/>
-              <a:t>  Report R9 </a:t>
-            </a:r>
-            <a:r>
-              <a:rPr lang="fr-FR" sz="1400" dirty="0" smtClean="0"/>
-              <a:t>: Evolution du </a:t>
-            </a:r>
-            <a:r>
-              <a:rPr lang="fr-FR" sz="1400" u="sng" dirty="0" smtClean="0"/>
-              <a:t>taux de percée</a:t>
-            </a:r>
-            <a:r>
-              <a:rPr lang="fr-FR" sz="1400" dirty="0" smtClean="0"/>
-              <a:t> </a:t>
-            </a:r>
-            <a:r>
-              <a:rPr lang="fr-FR" sz="1400" u="sng" dirty="0" smtClean="0"/>
-              <a:t>par mois</a:t>
-            </a:r>
-            <a:r>
-              <a:rPr lang="fr-FR" sz="1400" dirty="0" smtClean="0"/>
-              <a:t> et </a:t>
-            </a:r>
-            <a:r>
-              <a:rPr lang="fr-FR" sz="1400" u="sng" dirty="0" smtClean="0"/>
-              <a:t>par magasin</a:t>
-            </a:r>
-          </a:p>
-          <a:p>
-            <a:pPr lvl="1">
-              <a:spcBef>
-                <a:spcPts val="300"/>
-              </a:spcBef>
-              <a:spcAft>
-                <a:spcPts val="300"/>
-              </a:spcAft>
-              <a:buFont typeface="Wingdings" pitchFamily="2" charset="2"/>
-              <a:buChar char="Ø"/>
-            </a:pPr>
-            <a:r>
-              <a:rPr lang="fr-FR" sz="1400" b="1" dirty="0" smtClean="0"/>
-              <a:t>  Report R10 </a:t>
-            </a:r>
-            <a:r>
-              <a:rPr lang="fr-FR" sz="1400" dirty="0" smtClean="0"/>
-              <a:t>: Evolution du </a:t>
-            </a:r>
-            <a:r>
-              <a:rPr lang="fr-FR" sz="1400" u="sng" dirty="0" smtClean="0"/>
-              <a:t>taux de percée</a:t>
-            </a:r>
-            <a:r>
-              <a:rPr lang="fr-FR" sz="1400" dirty="0" smtClean="0"/>
-              <a:t> </a:t>
-            </a:r>
-            <a:r>
-              <a:rPr lang="fr-FR" sz="1400" u="sng" dirty="0" smtClean="0"/>
-              <a:t>par mois</a:t>
-            </a:r>
-            <a:r>
-              <a:rPr lang="fr-FR" sz="1400" dirty="0" smtClean="0"/>
-              <a:t> et </a:t>
-            </a:r>
-            <a:r>
-              <a:rPr lang="fr-FR" sz="1400" u="sng" dirty="0" smtClean="0"/>
-              <a:t>par département</a:t>
-            </a:r>
-          </a:p>
-          <a:p>
-            <a:pPr>
-              <a:spcBef>
-                <a:spcPts val="300"/>
-              </a:spcBef>
-              <a:spcAft>
-                <a:spcPts val="300"/>
-              </a:spcAft>
-            </a:pPr>
-            <a:endParaRPr lang="fr-FR" sz="1600" b="1" u="sng" dirty="0" smtClean="0"/>
-          </a:p>
-        </p:txBody>
-      </p:sp>
-    </p:spTree>
-    <p:extLst>
-      <p:ext uri="{BB962C8B-B14F-4D97-AF65-F5344CB8AC3E}">
-        <p14:creationId xmlns:p14="http://schemas.microsoft.com/office/powerpoint/2010/main" xmlns="" val="593714746"/>
-      </p:ext>
-    </p:extLst>
-  </p:cSld>
-  <p:clrMapOvr>
-    <a:masterClrMapping/>
-  </p:clrMapOvr>
-  <p:timing>
-    <p:tnLst>
-      <p:par>
-        <p:cTn id="1" dur="indefinite" restart="never" nodeType="tmRoot"/>
-      </p:par>
-    </p:tnLst>
-  </p:timing>
-</p:sld>
-</file>
-
-<file path=ppt/slides/slide11.xml><?xml version="1.0" encoding="utf-8"?>
-<p:sld xmlns:a="http://schemas.openxmlformats.org/drawingml/2006/main" xmlns:r="http://schemas.openxmlformats.org/officeDocument/2006/relationships" xmlns:p="http://schemas.openxmlformats.org/presentationml/2006/main">
-  <p:cSld>
-    <p:spTree>
-      <p:nvGrpSpPr>
-        <p:cNvPr id="1" name=""/>
-        <p:cNvGrpSpPr/>
-        <p:nvPr/>
-      </p:nvGrpSpPr>
-      <p:grpSpPr>
-        <a:xfrm>
-          <a:off x="0" y="0"/>
-          <a:ext cx="0" cy="0"/>
-          <a:chOff x="0" y="0"/>
-          <a:chExt cx="0" cy="0"/>
-        </a:xfrm>
-      </p:grpSpPr>
       <p:graphicFrame>
         <p:nvGraphicFramePr>
           <p:cNvPr id="4" name="Tableau 3"/>
@@ -5637,7 +4850,7 @@
           <p:nvPr>
             <p:extLst>
               <p:ext uri="{D42A27DB-BD31-4B8C-83A1-F6EECF244321}">
-                <p14:modId xmlns:p14="http://schemas.microsoft.com/office/powerpoint/2010/main" xmlns="" val="2225004352"/>
+                <p14:modId xmlns:p14="http://schemas.microsoft.com/office/powerpoint/2010/main" val="1841519286"/>
               </p:ext>
             </p:extLst>
           </p:nvPr>
@@ -5774,11 +4987,7 @@
                       <a:pPr algn="ctr"/>
                       <a:r>
                         <a:rPr lang="fr-FR" sz="1400" b="1" dirty="0" smtClean="0"/>
-                        <a:t>Réalisation </a:t>
-                      </a:r>
-                      <a:r>
-                        <a:rPr lang="fr-FR" sz="1400" b="1" dirty="0" smtClean="0"/>
-                        <a:t>technique </a:t>
+                        <a:t>Réalisation technique </a:t>
                       </a:r>
                       <a:endParaRPr lang="fr-FR" sz="1400" b="1" dirty="0"/>
                     </a:p>
@@ -5793,7 +5002,7 @@
                       <a:pPr algn="ctr"/>
                       <a:r>
                         <a:rPr lang="fr-FR" sz="1400" b="0" dirty="0" smtClean="0"/>
-                        <a:t>Qui ?</a:t>
+                        <a:t>Cédric / Brice pour GUI</a:t>
                       </a:r>
                       <a:endParaRPr lang="fr-FR" sz="1400" b="0" dirty="0"/>
                     </a:p>
@@ -5815,7 +5024,7 @@
                       <a:pPr algn="ctr"/>
                       <a:r>
                         <a:rPr lang="fr-FR" sz="1400" b="0" dirty="0" smtClean="0"/>
-                        <a:t>Qui ?</a:t>
+                        <a:t>Thomas</a:t>
                       </a:r>
                       <a:endParaRPr lang="fr-FR" sz="1400" b="0" dirty="0"/>
                     </a:p>
@@ -5837,7 +5046,7 @@
                       <a:pPr algn="ctr"/>
                       <a:r>
                         <a:rPr lang="fr-FR" sz="1400" b="0" dirty="0" smtClean="0"/>
-                        <a:t>Qui ?</a:t>
+                        <a:t>Olivier</a:t>
                       </a:r>
                       <a:endParaRPr lang="fr-FR" sz="1400" b="0" dirty="0"/>
                     </a:p>
@@ -5991,7 +5200,7 @@
           <p:nvPr>
             <p:extLst>
               <p:ext uri="{D42A27DB-BD31-4B8C-83A1-F6EECF244321}">
-                <p14:modId xmlns:p14="http://schemas.microsoft.com/office/powerpoint/2010/main" xmlns="" val="2225004352"/>
+                <p14:modId xmlns:p14="http://schemas.microsoft.com/office/powerpoint/2010/main" val="4003568630"/>
               </p:ext>
             </p:extLst>
           </p:nvPr>
@@ -6041,13 +5250,7 @@
                         <a:rPr lang="fr-FR" sz="1600" dirty="0" smtClean="0">
                           <a:sym typeface="Symbol"/>
                         </a:rPr>
-                        <a:t> </a:t>
-                      </a:r>
-                      <a:r>
-                        <a:rPr lang="fr-FR" sz="1600" dirty="0" smtClean="0">
-                          <a:sym typeface="Symbol"/>
-                        </a:rPr>
-                        <a:t>R5</a:t>
+                        <a:t> R5</a:t>
                       </a:r>
                       <a:endParaRPr lang="fr-FR" sz="1600" dirty="0"/>
                     </a:p>
@@ -6068,13 +5271,7 @@
                         <a:rPr lang="fr-FR" sz="1600" dirty="0" smtClean="0">
                           <a:sym typeface="Symbol"/>
                         </a:rPr>
-                        <a:t> </a:t>
-                      </a:r>
-                      <a:r>
-                        <a:rPr lang="fr-FR" sz="1600" dirty="0" smtClean="0">
-                          <a:sym typeface="Symbol"/>
-                        </a:rPr>
-                        <a:t>R10</a:t>
+                        <a:t> R10</a:t>
                       </a:r>
                       <a:endParaRPr lang="fr-FR" sz="1600" dirty="0"/>
                     </a:p>
@@ -6159,7 +5356,7 @@
                       <a:pPr algn="ctr"/>
                       <a:r>
                         <a:rPr lang="fr-FR" sz="1400" b="0" dirty="0" smtClean="0"/>
-                        <a:t>Qui ?</a:t>
+                        <a:t>Bernard</a:t>
                       </a:r>
                       <a:endParaRPr lang="fr-FR" sz="1400" b="0" dirty="0"/>
                     </a:p>
@@ -6181,7 +5378,7 @@
                       <a:pPr algn="ctr"/>
                       <a:r>
                         <a:rPr lang="fr-FR" sz="1400" b="0" dirty="0" smtClean="0"/>
-                        <a:t>Qui ?</a:t>
+                        <a:t>Brice</a:t>
                       </a:r>
                       <a:endParaRPr lang="fr-FR" sz="1400" b="0" dirty="0"/>
                     </a:p>
@@ -6205,11 +5402,7 @@
                       <a:pPr algn="ctr"/>
                       <a:r>
                         <a:rPr lang="fr-FR" sz="1400" b="1" dirty="0" smtClean="0"/>
-                        <a:t>Relecture &amp; Tests </a:t>
-                      </a:r>
-                      <a:r>
-                        <a:rPr lang="fr-FR" sz="1400" b="1" dirty="0" smtClean="0"/>
-                        <a:t>croisés</a:t>
+                        <a:t>Relecture &amp; Tests croisés</a:t>
                       </a:r>
                       <a:endParaRPr lang="fr-FR" sz="1400" b="1" dirty="0"/>
                     </a:p>
@@ -6268,7 +5461,7 @@
     </p:spTree>
     <p:extLst>
       <p:ext uri="{BB962C8B-B14F-4D97-AF65-F5344CB8AC3E}">
-        <p14:creationId xmlns:p14="http://schemas.microsoft.com/office/powerpoint/2010/main" xmlns="" val="593714746"/>
+        <p14:creationId xmlns:p14="http://schemas.microsoft.com/office/powerpoint/2010/main" val="593714746"/>
       </p:ext>
     </p:extLst>
   </p:cSld>
@@ -6285,7 +5478,7 @@
 </p:sld>
 </file>
 
-<file path=ppt/slides/slide12.xml><?xml version="1.0" encoding="utf-8"?>
+<file path=ppt/slides/slide11.xml><?xml version="1.0" encoding="utf-8"?>
 <p:sld xmlns:a="http://schemas.openxmlformats.org/drawingml/2006/main" xmlns:r="http://schemas.openxmlformats.org/officeDocument/2006/relationships" xmlns:p="http://schemas.openxmlformats.org/presentationml/2006/main">
   <p:cSld>
     <p:spTree>
@@ -6347,19 +5540,7 @@
             <a:pPr algn="ctr"/>
             <a:r>
               <a:rPr lang="fr-FR" sz="4000" dirty="0" smtClean="0"/>
-              <a:t>Jeudi </a:t>
-            </a:r>
-            <a:r>
-              <a:rPr lang="fr-FR" sz="4000" dirty="0" smtClean="0"/>
-              <a:t>30</a:t>
-            </a:r>
-            <a:r>
-              <a:rPr lang="fr-FR" sz="4000" dirty="0" smtClean="0"/>
-              <a:t>/07 </a:t>
-            </a:r>
-            <a:r>
-              <a:rPr lang="fr-FR" sz="4000" dirty="0" smtClean="0"/>
-              <a:t>21H00 </a:t>
+              <a:t>Jeudi 30/07 21H00 </a:t>
             </a:r>
           </a:p>
         </p:txBody>
@@ -6383,7 +5564,7 @@
           <a:noFill/>
           <a:extLst>
             <a:ext uri="{909E8E84-426E-40DD-AFC4-6F175D3DCCD1}">
-              <a14:hiddenFill xmlns:a14="http://schemas.microsoft.com/office/drawing/2010/main" xmlns="">
+              <a14:hiddenFill xmlns:a14="http://schemas.microsoft.com/office/drawing/2010/main">
                 <a:solidFill>
                   <a:srgbClr val="FFFFFF"/>
                 </a:solidFill>
@@ -6406,7 +5587,7 @@
     </p:spTree>
     <p:extLst>
       <p:ext uri="{BB962C8B-B14F-4D97-AF65-F5344CB8AC3E}">
-        <p14:creationId xmlns:p14="http://schemas.microsoft.com/office/powerpoint/2010/main" xmlns="" val="4022729328"/>
+        <p14:creationId xmlns:p14="http://schemas.microsoft.com/office/powerpoint/2010/main" val="4022729328"/>
       </p:ext>
     </p:extLst>
   </p:cSld>
@@ -6494,7 +5675,7 @@
     </p:spTree>
     <p:extLst>
       <p:ext uri="{BB962C8B-B14F-4D97-AF65-F5344CB8AC3E}">
-        <p14:creationId xmlns:p14="http://schemas.microsoft.com/office/powerpoint/2010/main" xmlns="" val="3949703253"/>
+        <p14:creationId xmlns:p14="http://schemas.microsoft.com/office/powerpoint/2010/main" val="3949703253"/>
       </p:ext>
     </p:extLst>
   </p:cSld>
@@ -6697,7 +5878,7 @@
           <p:nvPr>
             <p:extLst>
               <p:ext uri="{D42A27DB-BD31-4B8C-83A1-F6EECF244321}">
-                <p14:modId xmlns:p14="http://schemas.microsoft.com/office/powerpoint/2010/main" xmlns="" val="2161259375"/>
+                <p14:modId xmlns:p14="http://schemas.microsoft.com/office/powerpoint/2010/main" val="3472388323"/>
               </p:ext>
             </p:extLst>
           </p:nvPr>
@@ -6990,27 +6171,23 @@
             </a:r>
             <a:r>
               <a:rPr lang="fr-FR" sz="1400" dirty="0" smtClean="0"/>
-              <a:t> : </a:t>
+              <a:t> </a:t>
+            </a:r>
+            <a:r>
+              <a:rPr lang="fr-FR" sz="1400" dirty="0" smtClean="0"/>
+              <a:t>- </a:t>
             </a:r>
             <a:r>
               <a:rPr lang="fr-FR" sz="1400" dirty="0" smtClean="0"/>
               <a:t>Suite au Pb remonté par </a:t>
             </a:r>
             <a:r>
-              <a:rPr lang="fr-FR" sz="1400" dirty="0" err="1" smtClean="0"/>
-              <a:t>Cedric</a:t>
-            </a:r>
-            <a:r>
               <a:rPr lang="fr-FR" sz="1400" dirty="0" smtClean="0"/>
-              <a:t> : Nouveau </a:t>
+              <a:t>Cédric </a:t>
             </a:r>
             <a:r>
               <a:rPr lang="fr-FR" sz="1400" dirty="0" smtClean="0"/>
-              <a:t>script </a:t>
-            </a:r>
-            <a:r>
-              <a:rPr lang="fr-FR" sz="1400" dirty="0" smtClean="0"/>
-              <a:t>de remplissage du DWH !</a:t>
+              <a:t>: Nouveau script de remplissage du DWH !</a:t>
             </a:r>
             <a:endParaRPr lang="fr-FR" sz="1400" b="1" dirty="0" smtClean="0"/>
           </a:p>
@@ -7019,7 +6196,7 @@
     </p:spTree>
     <p:extLst>
       <p:ext uri="{BB962C8B-B14F-4D97-AF65-F5344CB8AC3E}">
-        <p14:creationId xmlns:p14="http://schemas.microsoft.com/office/powerpoint/2010/main" xmlns="" val="3884696437"/>
+        <p14:creationId xmlns:p14="http://schemas.microsoft.com/office/powerpoint/2010/main" val="3884696437"/>
       </p:ext>
     </p:extLst>
   </p:cSld>
@@ -7055,14 +6232,70 @@
       </p:grpSpPr>
       <p:sp>
         <p:nvSpPr>
-          <p:cNvPr id="10" name="ZoneTexte 9"/>
+          <p:cNvPr id="11" name="Rectangle 10"/>
+          <p:cNvSpPr/>
+          <p:nvPr/>
+        </p:nvSpPr>
+        <p:spPr>
+          <a:xfrm>
+            <a:off x="539552" y="764704"/>
+            <a:ext cx="8064896" cy="2031325"/>
+          </a:xfrm>
+          <a:prstGeom prst="rect">
+            <a:avLst/>
+          </a:prstGeom>
+        </p:spPr>
+        <p:txBody>
+          <a:bodyPr wrap="square">
+            <a:spAutoFit/>
+          </a:bodyPr>
+          <a:lstStyle/>
+          <a:p>
+            <a:r>
+              <a:rPr lang="fr-FR" b="1" dirty="0" smtClean="0"/>
+              <a:t>Projet SSDT – BI « déjà prêt »</a:t>
+            </a:r>
+          </a:p>
+          <a:p>
+            <a:endParaRPr lang="fr-FR" b="1" dirty="0" smtClean="0"/>
+          </a:p>
+          <a:p>
+            <a:r>
+              <a:rPr lang="fr-FR" dirty="0" smtClean="0"/>
+              <a:t>Reprend le support de Thomas sur SSDT – BI sous forme de projet</a:t>
+            </a:r>
+          </a:p>
+          <a:p>
+            <a:endParaRPr lang="fr-FR" dirty="0" smtClean="0"/>
+          </a:p>
+          <a:p>
+            <a:r>
+              <a:rPr lang="fr-FR" dirty="0" smtClean="0"/>
+              <a:t>Il vous reste à recalculer les dimensions, le cube et déployer le tout sur SSAS </a:t>
+            </a:r>
+            <a:r>
+              <a:rPr lang="fr-FR" dirty="0" smtClean="0"/>
+              <a:t>!</a:t>
+            </a:r>
+          </a:p>
+          <a:p>
+            <a:endParaRPr lang="fr-FR" dirty="0"/>
+          </a:p>
+          <a:p>
+            <a:endParaRPr lang="fr-FR" dirty="0" smtClean="0"/>
+          </a:p>
+        </p:txBody>
+      </p:sp>
+      <p:sp>
+        <p:nvSpPr>
+          <p:cNvPr id="13" name="ZoneTexte 12"/>
           <p:cNvSpPr txBox="1"/>
           <p:nvPr/>
         </p:nvSpPr>
         <p:spPr>
           <a:xfrm>
             <a:off x="107504" y="107340"/>
-            <a:ext cx="2641429" cy="369332"/>
+            <a:ext cx="1168846" cy="369332"/>
           </a:xfrm>
           <a:prstGeom prst="rect">
             <a:avLst/>
@@ -7090,7 +6323,7 @@
           <a:p>
             <a:r>
               <a:rPr lang="fr-FR" dirty="0" smtClean="0"/>
-              <a:t>Documentation de la base</a:t>
+              <a:t>Cube SSAS</a:t>
             </a:r>
             <a:endParaRPr lang="fr-FR" dirty="0"/>
           </a:p>
@@ -7098,818 +6331,201 @@
       </p:sp>
       <p:sp>
         <p:nvSpPr>
-          <p:cNvPr id="12" name="Rectangle 11"/>
-          <p:cNvSpPr/>
+          <p:cNvPr id="10" name="ZoneTexte 9"/>
+          <p:cNvSpPr txBox="1"/>
           <p:nvPr/>
         </p:nvSpPr>
         <p:spPr>
           <a:xfrm>
-            <a:off x="755576" y="678629"/>
-            <a:ext cx="4330160" cy="369332"/>
+            <a:off x="323528" y="5621759"/>
+            <a:ext cx="8568952" cy="738664"/>
           </a:xfrm>
           <a:prstGeom prst="rect">
             <a:avLst/>
           </a:prstGeom>
         </p:spPr>
-        <p:txBody>
-          <a:bodyPr wrap="none">
+        <p:style>
+          <a:lnRef idx="1">
+            <a:schemeClr val="accent5"/>
+          </a:lnRef>
+          <a:fillRef idx="2">
+            <a:schemeClr val="accent5"/>
+          </a:fillRef>
+          <a:effectRef idx="1">
+            <a:schemeClr val="accent5"/>
+          </a:effectRef>
+          <a:fontRef idx="minor">
+            <a:schemeClr val="dk1"/>
+          </a:fontRef>
+        </p:style>
+        <p:txBody>
+          <a:bodyPr wrap="square" rtlCol="0">
             <a:spAutoFit/>
           </a:bodyPr>
           <a:lstStyle/>
           <a:p>
-            <a:pPr>
-              <a:spcBef>
-                <a:spcPts val="600"/>
-              </a:spcBef>
-              <a:spcAft>
-                <a:spcPts val="600"/>
-              </a:spcAft>
-            </a:pPr>
-            <a:r>
-              <a:rPr lang="fr-FR" b="1" dirty="0" smtClean="0"/>
-              <a:t>Documentation du DWH : Relecture croisée</a:t>
-            </a:r>
-          </a:p>
-        </p:txBody>
-      </p:sp>
-      <p:graphicFrame>
-        <p:nvGraphicFramePr>
-          <p:cNvPr id="8" name="Tableau 7"/>
-          <p:cNvGraphicFramePr>
-            <a:graphicFrameLocks noGrp="1"/>
-          </p:cNvGraphicFramePr>
-          <p:nvPr>
-            <p:extLst>
-              <p:ext uri="{D42A27DB-BD31-4B8C-83A1-F6EECF244321}">
-                <p14:modId xmlns:p14="http://schemas.microsoft.com/office/powerpoint/2010/main" xmlns="" val="1990348929"/>
-              </p:ext>
-            </p:extLst>
-          </p:nvPr>
-        </p:nvGraphicFramePr>
-        <p:xfrm>
-          <a:off x="899592" y="1340768"/>
-          <a:ext cx="6326846" cy="2966720"/>
-        </p:xfrm>
-        <a:graphic>
-          <a:graphicData uri="http://schemas.openxmlformats.org/drawingml/2006/table">
-            <a:tbl>
-              <a:tblPr firstRow="1" bandRow="1">
-                <a:tableStyleId>{5C22544A-7EE6-4342-B048-85BDC9FD1C3A}</a:tableStyleId>
-              </a:tblPr>
-              <a:tblGrid>
-                <a:gridCol w="1277302"/>
-                <a:gridCol w="1107618"/>
-                <a:gridCol w="999456"/>
-                <a:gridCol w="936104"/>
-                <a:gridCol w="939216"/>
-                <a:gridCol w="1067150"/>
-              </a:tblGrid>
-              <a:tr h="370840">
-                <a:tc>
-                  <a:txBody>
-                    <a:bodyPr/>
-                    <a:lstStyle/>
-                    <a:p>
-                      <a:r>
-                        <a:rPr lang="fr-FR" sz="1600" dirty="0" smtClean="0"/>
-                        <a:t>Table</a:t>
-                      </a:r>
-                      <a:endParaRPr lang="fr-FR" sz="1600" dirty="0"/>
-                    </a:p>
-                  </a:txBody>
-                  <a:tcPr/>
-                </a:tc>
-                <a:tc>
-                  <a:txBody>
-                    <a:bodyPr/>
-                    <a:lstStyle/>
-                    <a:p>
-                      <a:pPr algn="ctr"/>
-                      <a:r>
-                        <a:rPr lang="fr-FR" sz="1600" dirty="0" smtClean="0"/>
-                        <a:t>Cédric</a:t>
-                      </a:r>
-                      <a:endParaRPr lang="fr-FR" sz="1600" dirty="0"/>
-                    </a:p>
-                  </a:txBody>
-                  <a:tcPr/>
-                </a:tc>
-                <a:tc>
-                  <a:txBody>
-                    <a:bodyPr/>
-                    <a:lstStyle/>
-                    <a:p>
-                      <a:pPr algn="ctr"/>
-                      <a:r>
-                        <a:rPr lang="fr-FR" sz="1600" dirty="0" smtClean="0"/>
-                        <a:t>Olivier</a:t>
-                      </a:r>
-                      <a:endParaRPr lang="fr-FR" sz="1600" dirty="0"/>
-                    </a:p>
-                  </a:txBody>
-                  <a:tcPr/>
-                </a:tc>
-                <a:tc>
-                  <a:txBody>
-                    <a:bodyPr/>
-                    <a:lstStyle/>
-                    <a:p>
-                      <a:pPr algn="ctr"/>
-                      <a:r>
-                        <a:rPr lang="fr-FR" sz="1600" dirty="0" smtClean="0"/>
-                        <a:t>Thomas</a:t>
-                      </a:r>
-                      <a:endParaRPr lang="fr-FR" sz="1600" dirty="0"/>
-                    </a:p>
-                  </a:txBody>
-                  <a:tcPr/>
-                </a:tc>
-                <a:tc>
-                  <a:txBody>
-                    <a:bodyPr/>
-                    <a:lstStyle/>
-                    <a:p>
-                      <a:pPr algn="ctr"/>
-                      <a:r>
-                        <a:rPr lang="fr-FR" sz="1600" dirty="0" smtClean="0"/>
-                        <a:t>Brice</a:t>
-                      </a:r>
-                      <a:endParaRPr lang="fr-FR" sz="1600" dirty="0"/>
-                    </a:p>
-                  </a:txBody>
-                  <a:tcPr/>
-                </a:tc>
-                <a:tc>
-                  <a:txBody>
-                    <a:bodyPr/>
-                    <a:lstStyle/>
-                    <a:p>
-                      <a:pPr algn="ctr"/>
-                      <a:r>
-                        <a:rPr lang="fr-FR" sz="1600" dirty="0" smtClean="0"/>
-                        <a:t>Bernard</a:t>
-                      </a:r>
-                      <a:endParaRPr lang="fr-FR" sz="1600" dirty="0"/>
-                    </a:p>
-                  </a:txBody>
-                  <a:tcPr/>
-                </a:tc>
-              </a:tr>
-              <a:tr h="370840">
-                <a:tc>
-                  <a:txBody>
-                    <a:bodyPr/>
-                    <a:lstStyle/>
-                    <a:p>
-                      <a:pPr algn="ctr"/>
-                      <a:r>
-                        <a:rPr lang="fr-FR" b="1" dirty="0" smtClean="0"/>
-                        <a:t>Ventes</a:t>
-                      </a:r>
-                      <a:endParaRPr lang="fr-FR" b="1" dirty="0"/>
-                    </a:p>
-                  </a:txBody>
-                  <a:tcPr/>
-                </a:tc>
-                <a:tc>
-                  <a:txBody>
-                    <a:bodyPr/>
-                    <a:lstStyle/>
-                    <a:p>
-                      <a:pPr algn="ctr"/>
-                      <a:endParaRPr lang="fr-FR" sz="1800" kern="1200" dirty="0">
-                        <a:solidFill>
-                          <a:schemeClr val="dk1"/>
-                        </a:solidFill>
-                        <a:latin typeface="+mn-lt"/>
-                        <a:ea typeface="+mn-ea"/>
-                        <a:cs typeface="+mn-cs"/>
-                      </a:endParaRPr>
-                    </a:p>
-                  </a:txBody>
-                  <a:tcPr/>
-                </a:tc>
-                <a:tc>
-                  <a:txBody>
-                    <a:bodyPr/>
-                    <a:lstStyle/>
-                    <a:p>
-                      <a:pPr algn="ctr"/>
-                      <a:endParaRPr lang="fr-FR" sz="1800" kern="1200" dirty="0">
-                        <a:solidFill>
-                          <a:schemeClr val="dk1"/>
-                        </a:solidFill>
-                        <a:latin typeface="+mn-lt"/>
-                        <a:ea typeface="+mn-ea"/>
-                        <a:cs typeface="+mn-cs"/>
-                      </a:endParaRPr>
-                    </a:p>
-                  </a:txBody>
-                  <a:tcPr/>
-                </a:tc>
-                <a:tc>
-                  <a:txBody>
-                    <a:bodyPr/>
-                    <a:lstStyle/>
-                    <a:p>
-                      <a:pPr algn="ctr"/>
-                      <a:r>
-                        <a:rPr lang="fr-FR" sz="1800" kern="1200" dirty="0" smtClean="0">
-                          <a:solidFill>
-                            <a:schemeClr val="dk1"/>
-                          </a:solidFill>
-                          <a:latin typeface="+mn-lt"/>
-                          <a:ea typeface="+mn-ea"/>
-                          <a:cs typeface="+mn-cs"/>
-                        </a:rPr>
-                        <a:t>OK</a:t>
-                      </a:r>
-                      <a:endParaRPr lang="fr-FR" sz="1800" kern="1200" dirty="0">
-                        <a:solidFill>
-                          <a:schemeClr val="dk1"/>
-                        </a:solidFill>
-                        <a:latin typeface="+mn-lt"/>
-                        <a:ea typeface="+mn-ea"/>
-                        <a:cs typeface="+mn-cs"/>
-                      </a:endParaRPr>
-                    </a:p>
-                  </a:txBody>
-                  <a:tcPr>
-                    <a:solidFill>
-                      <a:srgbClr val="00FF00"/>
-                    </a:solidFill>
-                  </a:tcPr>
-                </a:tc>
-                <a:tc>
-                  <a:txBody>
-                    <a:bodyPr/>
-                    <a:lstStyle/>
-                    <a:p>
-                      <a:pPr algn="ctr"/>
-                      <a:endParaRPr lang="fr-FR" sz="1800" kern="1200" dirty="0">
-                        <a:solidFill>
-                          <a:schemeClr val="dk1"/>
-                        </a:solidFill>
-                        <a:latin typeface="+mn-lt"/>
-                        <a:ea typeface="+mn-ea"/>
-                        <a:cs typeface="+mn-cs"/>
-                      </a:endParaRPr>
-                    </a:p>
-                  </a:txBody>
-                  <a:tcPr/>
-                </a:tc>
-                <a:tc>
-                  <a:txBody>
-                    <a:bodyPr/>
-                    <a:lstStyle/>
-                    <a:p>
-                      <a:pPr algn="ctr"/>
-                      <a:endParaRPr lang="fr-FR" sz="1800" kern="1200" dirty="0">
-                        <a:solidFill>
-                          <a:schemeClr val="dk1"/>
-                        </a:solidFill>
-                        <a:latin typeface="+mn-lt"/>
-                        <a:ea typeface="+mn-ea"/>
-                        <a:cs typeface="+mn-cs"/>
-                      </a:endParaRPr>
-                    </a:p>
-                  </a:txBody>
-                  <a:tcPr/>
-                </a:tc>
-              </a:tr>
-              <a:tr h="370840">
-                <a:tc>
-                  <a:txBody>
-                    <a:bodyPr/>
-                    <a:lstStyle/>
-                    <a:p>
-                      <a:pPr algn="ctr"/>
-                      <a:r>
-                        <a:rPr lang="fr-FR" b="1" dirty="0" smtClean="0"/>
-                        <a:t>Catégories</a:t>
-                      </a:r>
-                    </a:p>
-                  </a:txBody>
-                  <a:tcPr/>
-                </a:tc>
-                <a:tc>
-                  <a:txBody>
-                    <a:bodyPr/>
-                    <a:lstStyle/>
-                    <a:p>
-                      <a:pPr algn="ctr"/>
-                      <a:endParaRPr lang="fr-FR" dirty="0"/>
-                    </a:p>
-                  </a:txBody>
-                  <a:tcPr/>
-                </a:tc>
-                <a:tc>
-                  <a:txBody>
-                    <a:bodyPr/>
-                    <a:lstStyle/>
-                    <a:p>
-                      <a:pPr algn="ctr"/>
-                      <a:r>
-                        <a:rPr lang="fr-FR" dirty="0" smtClean="0"/>
-                        <a:t>OK</a:t>
-                      </a:r>
-                      <a:endParaRPr lang="fr-FR" dirty="0"/>
-                    </a:p>
-                  </a:txBody>
-                  <a:tcPr>
-                    <a:solidFill>
-                      <a:srgbClr val="00FF00"/>
-                    </a:solidFill>
-                  </a:tcPr>
-                </a:tc>
-                <a:tc>
-                  <a:txBody>
-                    <a:bodyPr/>
-                    <a:lstStyle/>
-                    <a:p>
-                      <a:pPr algn="ctr"/>
-                      <a:endParaRPr lang="fr-FR" dirty="0"/>
-                    </a:p>
-                  </a:txBody>
-                  <a:tcPr/>
-                </a:tc>
-                <a:tc>
-                  <a:txBody>
-                    <a:bodyPr/>
-                    <a:lstStyle/>
-                    <a:p>
-                      <a:pPr algn="ctr"/>
-                      <a:endParaRPr lang="fr-FR" dirty="0"/>
-                    </a:p>
-                  </a:txBody>
-                  <a:tcPr/>
-                </a:tc>
-                <a:tc>
-                  <a:txBody>
-                    <a:bodyPr/>
-                    <a:lstStyle/>
-                    <a:p>
-                      <a:pPr algn="ctr"/>
-                      <a:endParaRPr lang="fr-FR" dirty="0"/>
-                    </a:p>
-                  </a:txBody>
-                  <a:tcPr/>
-                </a:tc>
-              </a:tr>
-              <a:tr h="370840">
-                <a:tc>
-                  <a:txBody>
-                    <a:bodyPr/>
-                    <a:lstStyle/>
-                    <a:p>
-                      <a:pPr algn="ctr"/>
-                      <a:r>
-                        <a:rPr lang="fr-FR" b="1" dirty="0" smtClean="0"/>
-                        <a:t>Produits</a:t>
-                      </a:r>
-                      <a:endParaRPr lang="fr-FR" b="1" dirty="0"/>
-                    </a:p>
-                  </a:txBody>
-                  <a:tcPr/>
-                </a:tc>
-                <a:tc>
-                  <a:txBody>
-                    <a:bodyPr/>
-                    <a:lstStyle/>
-                    <a:p>
-                      <a:pPr algn="ctr"/>
-                      <a:r>
-                        <a:rPr lang="fr-FR" dirty="0" smtClean="0"/>
-                        <a:t>En</a:t>
-                      </a:r>
-                      <a:r>
-                        <a:rPr lang="fr-FR" baseline="0" dirty="0" smtClean="0"/>
-                        <a:t> cours</a:t>
-                      </a:r>
-                      <a:endParaRPr lang="fr-FR" dirty="0"/>
-                    </a:p>
-                  </a:txBody>
-                  <a:tcPr>
-                    <a:solidFill>
-                      <a:schemeClr val="accent6"/>
-                    </a:solidFill>
-                  </a:tcPr>
-                </a:tc>
-                <a:tc>
-                  <a:txBody>
-                    <a:bodyPr/>
-                    <a:lstStyle/>
-                    <a:p>
-                      <a:pPr algn="ctr"/>
-                      <a:endParaRPr lang="fr-FR" dirty="0"/>
-                    </a:p>
-                  </a:txBody>
-                  <a:tcPr/>
-                </a:tc>
-                <a:tc>
-                  <a:txBody>
-                    <a:bodyPr/>
-                    <a:lstStyle/>
-                    <a:p>
-                      <a:pPr algn="ctr"/>
-                      <a:endParaRPr lang="fr-FR" dirty="0"/>
-                    </a:p>
-                  </a:txBody>
-                  <a:tcPr/>
-                </a:tc>
-                <a:tc>
-                  <a:txBody>
-                    <a:bodyPr/>
-                    <a:lstStyle/>
-                    <a:p>
-                      <a:pPr algn="ctr"/>
-                      <a:endParaRPr lang="fr-FR" dirty="0"/>
-                    </a:p>
-                  </a:txBody>
-                  <a:tcPr/>
-                </a:tc>
-                <a:tc>
-                  <a:txBody>
-                    <a:bodyPr/>
-                    <a:lstStyle/>
-                    <a:p>
-                      <a:pPr algn="ctr"/>
-                      <a:endParaRPr lang="fr-FR" dirty="0"/>
-                    </a:p>
-                  </a:txBody>
-                  <a:tcPr/>
-                </a:tc>
-              </a:tr>
-              <a:tr h="370840">
-                <a:tc>
-                  <a:txBody>
-                    <a:bodyPr/>
-                    <a:lstStyle/>
-                    <a:p>
-                      <a:pPr algn="ctr"/>
-                      <a:r>
-                        <a:rPr lang="fr-FR" b="1" dirty="0" smtClean="0"/>
-                        <a:t>Temps</a:t>
-                      </a:r>
-                      <a:endParaRPr lang="fr-FR" b="1" dirty="0"/>
-                    </a:p>
-                  </a:txBody>
-                  <a:tcPr/>
-                </a:tc>
-                <a:tc>
-                  <a:txBody>
-                    <a:bodyPr/>
-                    <a:lstStyle/>
-                    <a:p>
-                      <a:pPr algn="ctr"/>
-                      <a:endParaRPr lang="fr-FR" dirty="0"/>
-                    </a:p>
-                  </a:txBody>
-                  <a:tcPr/>
-                </a:tc>
-                <a:tc>
-                  <a:txBody>
-                    <a:bodyPr/>
-                    <a:lstStyle/>
-                    <a:p>
-                      <a:pPr algn="ctr"/>
-                      <a:endParaRPr lang="fr-FR" dirty="0"/>
-                    </a:p>
-                  </a:txBody>
-                  <a:tcPr/>
-                </a:tc>
-                <a:tc>
-                  <a:txBody>
-                    <a:bodyPr/>
-                    <a:lstStyle/>
-                    <a:p>
-                      <a:pPr marL="0" marR="0" indent="0" algn="ctr" defTabSz="914400" rtl="0" eaLnBrk="1" fontAlgn="auto" latinLnBrk="0" hangingPunct="1">
-                        <a:lnSpc>
-                          <a:spcPct val="100000"/>
-                        </a:lnSpc>
-                        <a:spcBef>
-                          <a:spcPts val="0"/>
-                        </a:spcBef>
-                        <a:spcAft>
-                          <a:spcPts val="0"/>
-                        </a:spcAft>
-                        <a:buClrTx/>
-                        <a:buSzTx/>
-                        <a:buFontTx/>
-                        <a:buNone/>
-                        <a:tabLst/>
-                        <a:defRPr/>
-                      </a:pPr>
-                      <a:r>
-                        <a:rPr lang="fr-FR" sz="1800" kern="1200" dirty="0" smtClean="0">
-                          <a:solidFill>
-                            <a:schemeClr val="dk1"/>
-                          </a:solidFill>
-                          <a:latin typeface="+mn-lt"/>
-                          <a:ea typeface="+mn-ea"/>
-                          <a:cs typeface="+mn-cs"/>
-                        </a:rPr>
-                        <a:t>OK</a:t>
-                      </a:r>
-                    </a:p>
-                  </a:txBody>
-                  <a:tcPr>
-                    <a:solidFill>
-                      <a:srgbClr val="00FF00"/>
-                    </a:solidFill>
-                  </a:tcPr>
-                </a:tc>
-                <a:tc>
-                  <a:txBody>
-                    <a:bodyPr/>
-                    <a:lstStyle/>
-                    <a:p>
-                      <a:pPr algn="ctr"/>
-                      <a:endParaRPr lang="fr-FR" dirty="0"/>
-                    </a:p>
-                  </a:txBody>
-                  <a:tcPr/>
-                </a:tc>
-                <a:tc>
-                  <a:txBody>
-                    <a:bodyPr/>
-                    <a:lstStyle/>
-                    <a:p>
-                      <a:pPr algn="ctr"/>
-                      <a:endParaRPr lang="fr-FR" dirty="0"/>
-                    </a:p>
-                  </a:txBody>
-                  <a:tcPr/>
-                </a:tc>
-              </a:tr>
-              <a:tr h="370840">
-                <a:tc>
-                  <a:txBody>
-                    <a:bodyPr/>
-                    <a:lstStyle/>
-                    <a:p>
-                      <a:pPr algn="ctr"/>
-                      <a:r>
-                        <a:rPr lang="fr-FR" b="1" dirty="0" smtClean="0"/>
-                        <a:t>Clients</a:t>
-                      </a:r>
-                      <a:endParaRPr lang="fr-FR" b="1" dirty="0"/>
-                    </a:p>
-                  </a:txBody>
-                  <a:tcPr/>
-                </a:tc>
-                <a:tc>
-                  <a:txBody>
-                    <a:bodyPr/>
-                    <a:lstStyle/>
-                    <a:p>
-                      <a:pPr algn="ctr"/>
-                      <a:endParaRPr lang="fr-FR" dirty="0"/>
-                    </a:p>
-                  </a:txBody>
-                  <a:tcPr/>
-                </a:tc>
-                <a:tc>
-                  <a:txBody>
-                    <a:bodyPr/>
-                    <a:lstStyle/>
-                    <a:p>
-                      <a:pPr algn="ctr"/>
-                      <a:endParaRPr lang="fr-FR" dirty="0"/>
-                    </a:p>
-                  </a:txBody>
-                  <a:tcPr/>
-                </a:tc>
-                <a:tc>
-                  <a:txBody>
-                    <a:bodyPr/>
-                    <a:lstStyle/>
-                    <a:p>
-                      <a:pPr algn="ctr"/>
-                      <a:endParaRPr lang="fr-FR" dirty="0"/>
-                    </a:p>
-                  </a:txBody>
-                  <a:tcPr/>
-                </a:tc>
-                <a:tc>
-                  <a:txBody>
-                    <a:bodyPr/>
-                    <a:lstStyle/>
-                    <a:p>
-                      <a:pPr algn="ctr"/>
-                      <a:endParaRPr lang="fr-FR" dirty="0"/>
-                    </a:p>
-                  </a:txBody>
-                  <a:tcPr/>
-                </a:tc>
-                <a:tc>
-                  <a:txBody>
-                    <a:bodyPr/>
-                    <a:lstStyle/>
-                    <a:p>
-                      <a:pPr algn="ctr"/>
-                      <a:r>
-                        <a:rPr lang="fr-FR" smtClean="0"/>
-                        <a:t>OK</a:t>
-                      </a:r>
-                      <a:endParaRPr lang="fr-FR" dirty="0"/>
-                    </a:p>
-                  </a:txBody>
-                  <a:tcPr>
-                    <a:solidFill>
-                      <a:srgbClr val="00FF00"/>
-                    </a:solidFill>
-                  </a:tcPr>
-                </a:tc>
-              </a:tr>
-              <a:tr h="370840">
-                <a:tc>
-                  <a:txBody>
-                    <a:bodyPr/>
-                    <a:lstStyle/>
-                    <a:p>
-                      <a:pPr algn="ctr"/>
-                      <a:r>
-                        <a:rPr lang="fr-FR" b="1" dirty="0" smtClean="0"/>
-                        <a:t>Lieux</a:t>
-                      </a:r>
-                      <a:endParaRPr lang="fr-FR" b="1" dirty="0"/>
-                    </a:p>
-                  </a:txBody>
-                  <a:tcPr/>
-                </a:tc>
-                <a:tc>
-                  <a:txBody>
-                    <a:bodyPr/>
-                    <a:lstStyle/>
-                    <a:p>
-                      <a:pPr marL="0" marR="0" indent="0" algn="ctr" defTabSz="914400" rtl="0" eaLnBrk="1" fontAlgn="auto" latinLnBrk="0" hangingPunct="1">
-                        <a:lnSpc>
-                          <a:spcPct val="100000"/>
-                        </a:lnSpc>
-                        <a:spcBef>
-                          <a:spcPts val="0"/>
-                        </a:spcBef>
-                        <a:spcAft>
-                          <a:spcPts val="0"/>
-                        </a:spcAft>
-                        <a:buClrTx/>
-                        <a:buSzTx/>
-                        <a:buFontTx/>
-                        <a:buNone/>
-                        <a:tabLst/>
-                        <a:defRPr/>
-                      </a:pPr>
-                      <a:r>
-                        <a:rPr lang="fr-FR" dirty="0" smtClean="0"/>
-                        <a:t>En</a:t>
-                      </a:r>
-                      <a:r>
-                        <a:rPr lang="fr-FR" baseline="0" dirty="0" smtClean="0"/>
-                        <a:t> cours</a:t>
-                      </a:r>
-                      <a:endParaRPr lang="fr-FR" dirty="0" smtClean="0"/>
-                    </a:p>
-                  </a:txBody>
-                  <a:tcPr>
-                    <a:solidFill>
-                      <a:schemeClr val="accent6"/>
-                    </a:solidFill>
-                  </a:tcPr>
-                </a:tc>
-                <a:tc>
-                  <a:txBody>
-                    <a:bodyPr/>
-                    <a:lstStyle/>
-                    <a:p>
-                      <a:pPr algn="ctr"/>
-                      <a:endParaRPr lang="fr-FR" dirty="0"/>
-                    </a:p>
-                  </a:txBody>
-                  <a:tcPr/>
-                </a:tc>
-                <a:tc>
-                  <a:txBody>
-                    <a:bodyPr/>
-                    <a:lstStyle/>
-                    <a:p>
-                      <a:pPr algn="ctr"/>
-                      <a:endParaRPr lang="fr-FR" dirty="0"/>
-                    </a:p>
-                  </a:txBody>
-                  <a:tcPr/>
-                </a:tc>
-                <a:tc>
-                  <a:txBody>
-                    <a:bodyPr/>
-                    <a:lstStyle/>
-                    <a:p>
-                      <a:pPr algn="ctr"/>
-                      <a:endParaRPr lang="fr-FR" dirty="0"/>
-                    </a:p>
-                  </a:txBody>
-                  <a:tcPr/>
-                </a:tc>
-                <a:tc>
-                  <a:txBody>
-                    <a:bodyPr/>
-                    <a:lstStyle/>
-                    <a:p>
-                      <a:pPr algn="ctr"/>
-                      <a:endParaRPr lang="fr-FR" dirty="0"/>
-                    </a:p>
-                  </a:txBody>
-                  <a:tcPr/>
-                </a:tc>
-              </a:tr>
-              <a:tr h="370840">
-                <a:tc>
-                  <a:txBody>
-                    <a:bodyPr/>
-                    <a:lstStyle/>
-                    <a:p>
-                      <a:pPr algn="ctr"/>
-                      <a:r>
-                        <a:rPr lang="fr-FR" b="1" dirty="0" smtClean="0"/>
-                        <a:t>Villes</a:t>
-                      </a:r>
-                      <a:endParaRPr lang="fr-FR" b="1" dirty="0"/>
-                    </a:p>
-                  </a:txBody>
-                  <a:tcPr/>
-                </a:tc>
-                <a:tc>
-                  <a:txBody>
-                    <a:bodyPr/>
-                    <a:lstStyle/>
-                    <a:p>
-                      <a:pPr algn="ctr"/>
-                      <a:endParaRPr lang="fr-FR" dirty="0"/>
-                    </a:p>
-                  </a:txBody>
-                  <a:tcPr/>
-                </a:tc>
-                <a:tc>
-                  <a:txBody>
-                    <a:bodyPr/>
-                    <a:lstStyle/>
-                    <a:p>
-                      <a:pPr algn="ctr"/>
-                      <a:endParaRPr lang="fr-FR" dirty="0"/>
-                    </a:p>
-                  </a:txBody>
-                  <a:tcPr/>
-                </a:tc>
-                <a:tc>
-                  <a:txBody>
-                    <a:bodyPr/>
-                    <a:lstStyle/>
-                    <a:p>
-                      <a:pPr algn="ctr"/>
-                      <a:endParaRPr lang="fr-FR" dirty="0"/>
-                    </a:p>
-                  </a:txBody>
-                  <a:tcPr/>
-                </a:tc>
-                <a:tc>
-                  <a:txBody>
-                    <a:bodyPr/>
-                    <a:lstStyle/>
-                    <a:p>
-                      <a:pPr algn="ctr"/>
-                      <a:r>
-                        <a:rPr lang="fr-FR" dirty="0" smtClean="0"/>
-                        <a:t>OK</a:t>
-                      </a:r>
-                      <a:endParaRPr lang="fr-FR" dirty="0"/>
-                    </a:p>
-                  </a:txBody>
-                  <a:tcPr>
-                    <a:solidFill>
-                      <a:srgbClr val="00FF00"/>
-                    </a:solidFill>
-                  </a:tcPr>
-                </a:tc>
-                <a:tc>
-                  <a:txBody>
-                    <a:bodyPr/>
-                    <a:lstStyle/>
-                    <a:p>
-                      <a:pPr algn="ctr"/>
-                      <a:endParaRPr lang="fr-FR" dirty="0"/>
-                    </a:p>
-                  </a:txBody>
-                  <a:tcPr/>
-                </a:tc>
-              </a:tr>
-            </a:tbl>
-          </a:graphicData>
-        </a:graphic>
-      </p:graphicFrame>
+            <a:r>
+              <a:rPr lang="fr-FR" sz="1400" dirty="0" smtClean="0"/>
+              <a:t>Un projet SSDT-BI de cube est disponible sur Git Hub dans </a:t>
+            </a:r>
+            <a:r>
+              <a:rPr lang="fr-FR" sz="1400" b="1" dirty="0" smtClean="0"/>
+              <a:t>/ SOURCES / SSAS / OLIVIER</a:t>
+            </a:r>
+          </a:p>
+          <a:p>
+            <a:endParaRPr lang="fr-FR" sz="1400" b="1" dirty="0" smtClean="0"/>
+          </a:p>
+          <a:p>
+            <a:r>
+              <a:rPr lang="fr-FR" sz="1400" b="1" dirty="0" smtClean="0">
+                <a:hlinkClick r:id="rId3"/>
+              </a:rPr>
+              <a:t>https://github.com/M2SIID-ODE/Projet_ODE/tree/master/Sources/SSAS/Olivier/CubeODE</a:t>
+            </a:r>
+            <a:endParaRPr lang="fr-FR" sz="1400" b="1" dirty="0" smtClean="0"/>
+          </a:p>
+        </p:txBody>
+      </p:sp>
+      <p:sp>
+        <p:nvSpPr>
+          <p:cNvPr id="12" name="ZoneTexte 11"/>
+          <p:cNvSpPr txBox="1"/>
+          <p:nvPr/>
+        </p:nvSpPr>
+        <p:spPr>
+          <a:xfrm>
+            <a:off x="1403648" y="3356992"/>
+            <a:ext cx="6120680" cy="1169551"/>
+          </a:xfrm>
+          <a:prstGeom prst="rect">
+            <a:avLst/>
+          </a:prstGeom>
+        </p:spPr>
+        <p:style>
+          <a:lnRef idx="1">
+            <a:schemeClr val="accent2"/>
+          </a:lnRef>
+          <a:fillRef idx="2">
+            <a:schemeClr val="accent2"/>
+          </a:fillRef>
+          <a:effectRef idx="1">
+            <a:schemeClr val="accent2"/>
+          </a:effectRef>
+          <a:fontRef idx="minor">
+            <a:schemeClr val="dk1"/>
+          </a:fontRef>
+        </p:style>
+        <p:txBody>
+          <a:bodyPr wrap="square" rtlCol="0">
+            <a:spAutoFit/>
+          </a:bodyPr>
+          <a:lstStyle/>
+          <a:p>
+            <a:r>
+              <a:rPr lang="fr-FR" sz="1400" b="1" dirty="0" smtClean="0"/>
+              <a:t>En cas de problème avec ce projet </a:t>
+            </a:r>
+            <a:r>
+              <a:rPr lang="fr-FR" sz="1400" b="1" dirty="0" smtClean="0"/>
+              <a:t>SSDT (Notamment « Clé en double » lors du </a:t>
+            </a:r>
+            <a:r>
+              <a:rPr lang="fr-FR" sz="1400" b="1" dirty="0" err="1" smtClean="0"/>
+              <a:t>process</a:t>
+            </a:r>
+            <a:r>
+              <a:rPr lang="fr-FR" sz="1400" b="1" dirty="0" smtClean="0"/>
+              <a:t> de la dimension DIM_TEMPS dans SSAS) </a:t>
+            </a:r>
+            <a:r>
+              <a:rPr lang="fr-FR" sz="1400" dirty="0" smtClean="0"/>
+              <a:t>: Contactez </a:t>
+            </a:r>
+            <a:r>
+              <a:rPr lang="fr-FR" sz="1400" dirty="0" smtClean="0"/>
+              <a:t>Olivier</a:t>
+            </a:r>
+          </a:p>
+          <a:p>
+            <a:endParaRPr lang="fr-FR" sz="1400" b="1" dirty="0"/>
+          </a:p>
+          <a:p>
+            <a:r>
+              <a:rPr lang="fr-FR" sz="1400" b="1" dirty="0" smtClean="0"/>
+              <a:t>Olivier : </a:t>
+            </a:r>
+            <a:r>
+              <a:rPr lang="fr-FR" sz="1400" dirty="0" err="1" smtClean="0"/>
+              <a:t>Verifier</a:t>
+            </a:r>
+            <a:r>
+              <a:rPr lang="fr-FR" sz="1400" dirty="0" smtClean="0"/>
+              <a:t> que les semaines ne sont pas mélangées avec les mois dans les </a:t>
+            </a:r>
+            <a:r>
+              <a:rPr lang="fr-FR" sz="1400" dirty="0" err="1" smtClean="0"/>
+              <a:t>hierarchie</a:t>
+            </a:r>
+            <a:r>
+              <a:rPr lang="fr-FR" sz="1400" dirty="0" smtClean="0"/>
+              <a:t>,,,</a:t>
+            </a:r>
+            <a:endParaRPr lang="fr-FR" sz="1400" dirty="0" smtClean="0"/>
+          </a:p>
+        </p:txBody>
+      </p:sp>
+      <p:sp>
+        <p:nvSpPr>
+          <p:cNvPr id="6" name="ZoneTexte 5"/>
+          <p:cNvSpPr txBox="1"/>
+          <p:nvPr/>
+        </p:nvSpPr>
+        <p:spPr>
+          <a:xfrm>
+            <a:off x="1403648" y="4766373"/>
+            <a:ext cx="6120680" cy="307777"/>
+          </a:xfrm>
+          <a:prstGeom prst="rect">
+            <a:avLst/>
+          </a:prstGeom>
+        </p:spPr>
+        <p:style>
+          <a:lnRef idx="1">
+            <a:schemeClr val="accent2"/>
+          </a:lnRef>
+          <a:fillRef idx="2">
+            <a:schemeClr val="accent2"/>
+          </a:fillRef>
+          <a:effectRef idx="1">
+            <a:schemeClr val="accent2"/>
+          </a:effectRef>
+          <a:fontRef idx="minor">
+            <a:schemeClr val="dk1"/>
+          </a:fontRef>
+        </p:style>
+        <p:txBody>
+          <a:bodyPr wrap="square" rtlCol="0">
+            <a:spAutoFit/>
+          </a:bodyPr>
+          <a:lstStyle/>
+          <a:p>
+            <a:r>
+              <a:rPr lang="fr-FR" sz="1400" b="1" dirty="0" smtClean="0"/>
+              <a:t>Bernard : </a:t>
+            </a:r>
+            <a:r>
+              <a:rPr lang="fr-FR" sz="1400" dirty="0" smtClean="0"/>
+              <a:t>Créer la hiérarchie de la dimension VILLES</a:t>
+            </a:r>
+            <a:endParaRPr lang="fr-FR" sz="1400" dirty="0" smtClean="0"/>
+          </a:p>
+        </p:txBody>
+      </p:sp>
     </p:spTree>
     <p:extLst>
       <p:ext uri="{BB962C8B-B14F-4D97-AF65-F5344CB8AC3E}">
-        <p14:creationId xmlns:p14="http://schemas.microsoft.com/office/powerpoint/2010/main" xmlns="" val="3386994408"/>
+        <p14:creationId xmlns:p14="http://schemas.microsoft.com/office/powerpoint/2010/main" val="3386994408"/>
       </p:ext>
     </p:extLst>
   </p:cSld>
@@ -7945,248 +6561,6 @@
       </p:grpSpPr>
       <p:sp>
         <p:nvSpPr>
-          <p:cNvPr id="11" name="Rectangle 10"/>
-          <p:cNvSpPr/>
-          <p:nvPr/>
-        </p:nvSpPr>
-        <p:spPr>
-          <a:xfrm>
-            <a:off x="539552" y="764704"/>
-            <a:ext cx="8064896" cy="1477328"/>
-          </a:xfrm>
-          <a:prstGeom prst="rect">
-            <a:avLst/>
-          </a:prstGeom>
-        </p:spPr>
-        <p:txBody>
-          <a:bodyPr wrap="square">
-            <a:spAutoFit/>
-          </a:bodyPr>
-          <a:lstStyle/>
-          <a:p>
-            <a:r>
-              <a:rPr lang="fr-FR" b="1" dirty="0" smtClean="0"/>
-              <a:t>Projet SSDT – BI « déjà prêt »</a:t>
-            </a:r>
-          </a:p>
-          <a:p>
-            <a:endParaRPr lang="fr-FR" b="1" dirty="0" smtClean="0"/>
-          </a:p>
-          <a:p>
-            <a:r>
-              <a:rPr lang="fr-FR" dirty="0" smtClean="0"/>
-              <a:t>Reprend le support de Thomas sur SSDT – BI sous forme de projet</a:t>
-            </a:r>
-          </a:p>
-          <a:p>
-            <a:endParaRPr lang="fr-FR" dirty="0" smtClean="0"/>
-          </a:p>
-          <a:p>
-            <a:r>
-              <a:rPr lang="fr-FR" dirty="0" smtClean="0"/>
-              <a:t>Il vous reste à recalculer les dimensions, le cube et déployer le tout sur SSAS !</a:t>
-            </a:r>
-            <a:endParaRPr lang="fr-FR" dirty="0" smtClean="0"/>
-          </a:p>
-        </p:txBody>
-      </p:sp>
-      <p:sp>
-        <p:nvSpPr>
-          <p:cNvPr id="13" name="ZoneTexte 12"/>
-          <p:cNvSpPr txBox="1"/>
-          <p:nvPr/>
-        </p:nvSpPr>
-        <p:spPr>
-          <a:xfrm>
-            <a:off x="107504" y="107340"/>
-            <a:ext cx="1168846" cy="369332"/>
-          </a:xfrm>
-          <a:prstGeom prst="rect">
-            <a:avLst/>
-          </a:prstGeom>
-        </p:spPr>
-        <p:style>
-          <a:lnRef idx="0">
-            <a:schemeClr val="accent1"/>
-          </a:lnRef>
-          <a:fillRef idx="3">
-            <a:schemeClr val="accent1"/>
-          </a:fillRef>
-          <a:effectRef idx="3">
-            <a:schemeClr val="accent1"/>
-          </a:effectRef>
-          <a:fontRef idx="minor">
-            <a:schemeClr val="lt1"/>
-          </a:fontRef>
-        </p:style>
-        <p:txBody>
-          <a:bodyPr wrap="none" rtlCol="0">
-            <a:spAutoFit/>
-          </a:bodyPr>
-          <a:lstStyle/>
-          <a:p>
-            <a:r>
-              <a:rPr lang="fr-FR" dirty="0" smtClean="0"/>
-              <a:t>Cube SSAS</a:t>
-            </a:r>
-            <a:endParaRPr lang="fr-FR" dirty="0"/>
-          </a:p>
-        </p:txBody>
-      </p:sp>
-      <p:sp>
-        <p:nvSpPr>
-          <p:cNvPr id="10" name="ZoneTexte 9"/>
-          <p:cNvSpPr txBox="1"/>
-          <p:nvPr/>
-        </p:nvSpPr>
-        <p:spPr>
-          <a:xfrm>
-            <a:off x="323528" y="5621759"/>
-            <a:ext cx="8568952" cy="738664"/>
-          </a:xfrm>
-          <a:prstGeom prst="rect">
-            <a:avLst/>
-          </a:prstGeom>
-        </p:spPr>
-        <p:style>
-          <a:lnRef idx="1">
-            <a:schemeClr val="accent5"/>
-          </a:lnRef>
-          <a:fillRef idx="2">
-            <a:schemeClr val="accent5"/>
-          </a:fillRef>
-          <a:effectRef idx="1">
-            <a:schemeClr val="accent5"/>
-          </a:effectRef>
-          <a:fontRef idx="minor">
-            <a:schemeClr val="dk1"/>
-          </a:fontRef>
-        </p:style>
-        <p:txBody>
-          <a:bodyPr wrap="square" rtlCol="0">
-            <a:spAutoFit/>
-          </a:bodyPr>
-          <a:lstStyle/>
-          <a:p>
-            <a:r>
-              <a:rPr lang="fr-FR" sz="1400" dirty="0" smtClean="0"/>
-              <a:t>Un projet SSDT-BI de cube est disponible sur Git Hub dans </a:t>
-            </a:r>
-            <a:r>
-              <a:rPr lang="fr-FR" sz="1400" b="1" dirty="0" smtClean="0"/>
-              <a:t>/ </a:t>
-            </a:r>
-            <a:r>
-              <a:rPr lang="fr-FR" sz="1400" b="1" dirty="0" smtClean="0"/>
-              <a:t>SOURCES / SSAS / OLIVIER</a:t>
-            </a:r>
-          </a:p>
-          <a:p>
-            <a:endParaRPr lang="fr-FR" sz="1400" b="1" dirty="0" smtClean="0"/>
-          </a:p>
-          <a:p>
-            <a:r>
-              <a:rPr lang="fr-FR" sz="1400" b="1" dirty="0" smtClean="0">
-                <a:hlinkClick r:id="rId3"/>
-              </a:rPr>
-              <a:t>https://</a:t>
-            </a:r>
-            <a:r>
-              <a:rPr lang="fr-FR" sz="1400" b="1" dirty="0" smtClean="0">
-                <a:hlinkClick r:id="rId3"/>
-              </a:rPr>
-              <a:t>github.com/M2SIID-ODE/Projet_ODE/tree/master/Sources/SSAS/Olivier/CubeODE</a:t>
-            </a:r>
-            <a:endParaRPr lang="fr-FR" sz="1400" b="1" dirty="0" smtClean="0"/>
-          </a:p>
-        </p:txBody>
-      </p:sp>
-      <p:sp>
-        <p:nvSpPr>
-          <p:cNvPr id="12" name="ZoneTexte 11"/>
-          <p:cNvSpPr txBox="1"/>
-          <p:nvPr/>
-        </p:nvSpPr>
-        <p:spPr>
-          <a:xfrm>
-            <a:off x="2123728" y="3356992"/>
-            <a:ext cx="4464496" cy="307777"/>
-          </a:xfrm>
-          <a:prstGeom prst="rect">
-            <a:avLst/>
-          </a:prstGeom>
-        </p:spPr>
-        <p:style>
-          <a:lnRef idx="1">
-            <a:schemeClr val="accent2"/>
-          </a:lnRef>
-          <a:fillRef idx="2">
-            <a:schemeClr val="accent2"/>
-          </a:fillRef>
-          <a:effectRef idx="1">
-            <a:schemeClr val="accent2"/>
-          </a:effectRef>
-          <a:fontRef idx="minor">
-            <a:schemeClr val="dk1"/>
-          </a:fontRef>
-        </p:style>
-        <p:txBody>
-          <a:bodyPr wrap="square" rtlCol="0">
-            <a:spAutoFit/>
-          </a:bodyPr>
-          <a:lstStyle/>
-          <a:p>
-            <a:r>
-              <a:rPr lang="fr-FR" sz="1400" b="1" dirty="0" smtClean="0"/>
-              <a:t>En cas de problème avec ce projet SSDT </a:t>
-            </a:r>
-            <a:r>
-              <a:rPr lang="fr-FR" sz="1400" dirty="0" smtClean="0"/>
-              <a:t>: Contactez Olivier</a:t>
-            </a:r>
-            <a:endParaRPr lang="fr-FR" sz="1400" b="1" dirty="0" smtClean="0"/>
-          </a:p>
-        </p:txBody>
-      </p:sp>
-    </p:spTree>
-    <p:extLst>
-      <p:ext uri="{BB962C8B-B14F-4D97-AF65-F5344CB8AC3E}">
-        <p14:creationId xmlns:p14="http://schemas.microsoft.com/office/powerpoint/2010/main" xmlns="" val="3386994408"/>
-      </p:ext>
-    </p:extLst>
-  </p:cSld>
-  <p:clrMapOvr>
-    <a:masterClrMapping/>
-  </p:clrMapOvr>
-  <p:timing>
-    <p:tnLst>
-      <p:par>
-        <p:cTn id="1" dur="indefinite" restart="never" nodeType="tmRoot"/>
-      </p:par>
-    </p:tnLst>
-  </p:timing>
-</p:sld>
-</file>
-
-<file path=ppt/slides/slide6.xml><?xml version="1.0" encoding="utf-8"?>
-<p:sld xmlns:a="http://schemas.openxmlformats.org/drawingml/2006/main" xmlns:r="http://schemas.openxmlformats.org/officeDocument/2006/relationships" xmlns:p="http://schemas.openxmlformats.org/presentationml/2006/main">
-  <p:cSld>
-    <p:spTree>
-      <p:nvGrpSpPr>
-        <p:cNvPr id="1" name=""/>
-        <p:cNvGrpSpPr/>
-        <p:nvPr/>
-      </p:nvGrpSpPr>
-      <p:grpSpPr>
-        <a:xfrm>
-          <a:off x="0" y="0"/>
-          <a:ext cx="0" cy="0"/>
-          <a:chOff x="0" y="0"/>
-          <a:chExt cx="0" cy="0"/>
-        </a:xfrm>
-      </p:grpSpPr>
-      <p:sp>
-        <p:nvSpPr>
           <p:cNvPr id="3" name="ZoneTexte 2"/>
           <p:cNvSpPr txBox="1"/>
           <p:nvPr/>
@@ -8460,11 +6834,7 @@
             <a:pPr algn="ctr"/>
             <a:r>
               <a:rPr lang="fr-FR" dirty="0" smtClean="0"/>
-              <a:t>Moteur de calcul </a:t>
-            </a:r>
-            <a:r>
-              <a:rPr lang="fr-FR" dirty="0" smtClean="0"/>
-              <a:t>d’agrégats simple</a:t>
+              <a:t>Moteur de calcul d’agrégats simple</a:t>
             </a:r>
             <a:endParaRPr lang="fr-FR" dirty="0"/>
           </a:p>
@@ -8782,7 +7152,6 @@
               <a:rPr lang="fr-FR" sz="1400" dirty="0" smtClean="0"/>
               <a:t>: Mode parallèle </a:t>
             </a:r>
-            <a:endParaRPr lang="fr-FR" sz="1400" dirty="0" smtClean="0"/>
           </a:p>
         </p:txBody>
       </p:sp>
@@ -8984,11 +7353,7 @@
             <a:pPr algn="ctr"/>
             <a:r>
               <a:rPr lang="fr-FR" dirty="0" smtClean="0"/>
-              <a:t>Moteur de calcul </a:t>
-            </a:r>
-            <a:r>
-              <a:rPr lang="fr-FR" dirty="0" smtClean="0"/>
-              <a:t>d’agrégats complet</a:t>
+              <a:t>Moteur de calcul d’agrégats complet</a:t>
             </a:r>
             <a:endParaRPr lang="fr-FR" dirty="0"/>
           </a:p>
@@ -9066,10 +7431,53 @@
           </a:fontRef>
         </p:style>
       </p:cxnSp>
+      <p:sp>
+        <p:nvSpPr>
+          <p:cNvPr id="26" name="ZoneTexte 25"/>
+          <p:cNvSpPr txBox="1"/>
+          <p:nvPr/>
+        </p:nvSpPr>
+        <p:spPr>
+          <a:xfrm>
+            <a:off x="6926682" y="2924944"/>
+            <a:ext cx="1656184" cy="307777"/>
+          </a:xfrm>
+          <a:prstGeom prst="rect">
+            <a:avLst/>
+          </a:prstGeom>
+        </p:spPr>
+        <p:style>
+          <a:lnRef idx="1">
+            <a:schemeClr val="accent5"/>
+          </a:lnRef>
+          <a:fillRef idx="2">
+            <a:schemeClr val="accent5"/>
+          </a:fillRef>
+          <a:effectRef idx="1">
+            <a:schemeClr val="accent5"/>
+          </a:effectRef>
+          <a:fontRef idx="minor">
+            <a:schemeClr val="dk1"/>
+          </a:fontRef>
+        </p:style>
+        <p:txBody>
+          <a:bodyPr wrap="square" rtlCol="0">
+            <a:spAutoFit/>
+          </a:bodyPr>
+          <a:lstStyle/>
+          <a:p>
+            <a:r>
+              <a:rPr lang="fr-FR" sz="1400" b="1" dirty="0" smtClean="0"/>
+              <a:t>Thomas pour lot 3</a:t>
+            </a:r>
+            <a:endParaRPr lang="fr-FR" sz="1400" dirty="0" smtClean="0"/>
+          </a:p>
+        </p:txBody>
+      </p:sp>
     </p:spTree>
     <p:extLst>
       <p:ext uri="{BB962C8B-B14F-4D97-AF65-F5344CB8AC3E}">
-        <p14:creationId xmlns:p14="http://schemas.microsoft.com/office/powerpoint/2010/main" xmlns="" val="4104051211"/>
+        <p14:creationId xmlns:p14="http://schemas.microsoft.com/office/powerpoint/2010/main" val="4104051211"/>
       </p:ext>
     </p:extLst>
   </p:cSld>
@@ -9086,7 +7494,7 @@
 </p:sld>
 </file>
 
-<file path=ppt/slides/slide7.xml><?xml version="1.0" encoding="utf-8"?>
+<file path=ppt/slides/slide6.xml><?xml version="1.0" encoding="utf-8"?>
 <p:sld xmlns:a="http://schemas.openxmlformats.org/drawingml/2006/main" xmlns:r="http://schemas.openxmlformats.org/officeDocument/2006/relationships" xmlns:p="http://schemas.openxmlformats.org/presentationml/2006/main">
   <p:cSld>
     <p:spTree>
@@ -9126,11 +7534,7 @@
           <a:p>
             <a:r>
               <a:rPr lang="fr-FR" b="1" dirty="0" smtClean="0"/>
-              <a:t>Solution retenue </a:t>
-            </a:r>
-            <a:r>
-              <a:rPr lang="fr-FR" b="1" dirty="0" smtClean="0"/>
-              <a:t>« Full C# »</a:t>
+              <a:t>Solution retenue « Full C# »</a:t>
             </a:r>
           </a:p>
         </p:txBody>
@@ -9560,13 +7964,8 @@
             </a:r>
             <a:r>
               <a:rPr lang="fr-FR" sz="1400" b="1" dirty="0" smtClean="0"/>
-              <a:t>/ </a:t>
-            </a:r>
-            <a:r>
-              <a:rPr lang="fr-FR" sz="1400" b="1" dirty="0" smtClean="0"/>
-              <a:t>SOURCES / MOTEUR_CALCUL / OLIVIER</a:t>
-            </a:r>
-            <a:endParaRPr lang="fr-FR" sz="1400" b="1" dirty="0" smtClean="0"/>
+              <a:t>/ SOURCES / MOTEUR_CALCUL / OLIVIER</a:t>
+            </a:r>
           </a:p>
           <a:p>
             <a:endParaRPr lang="fr-FR" sz="1400" b="1" dirty="0" smtClean="0"/>
@@ -9585,13 +7984,7 @@
               <a:rPr lang="fr-FR" sz="1400" b="1" dirty="0" smtClean="0">
                 <a:hlinkClick r:id="rId5"/>
               </a:rPr>
-              <a:t>https://</a:t>
-            </a:r>
-            <a:r>
-              <a:rPr lang="fr-FR" sz="1400" b="1" dirty="0" smtClean="0">
-                <a:hlinkClick r:id="rId5"/>
-              </a:rPr>
-              <a:t>github.com/M2SIID-ODE/Projet_ODE/tree/master/Sources/MOTEUR_CALCUL/Olivier/OptimiseurODE</a:t>
+              <a:t>https://github.com/M2SIID-ODE/Projet_ODE/tree/master/Sources/MOTEUR_CALCUL/Olivier/OptimiseurODE</a:t>
             </a:r>
             <a:endParaRPr lang="fr-FR" sz="1400" b="1" dirty="0" smtClean="0"/>
           </a:p>
@@ -9600,7 +7993,286 @@
     </p:spTree>
     <p:extLst>
       <p:ext uri="{BB962C8B-B14F-4D97-AF65-F5344CB8AC3E}">
-        <p14:creationId xmlns:p14="http://schemas.microsoft.com/office/powerpoint/2010/main" xmlns="" val="3386994408"/>
+        <p14:creationId xmlns:p14="http://schemas.microsoft.com/office/powerpoint/2010/main" val="3386994408"/>
+      </p:ext>
+    </p:extLst>
+  </p:cSld>
+  <p:clrMapOvr>
+    <a:masterClrMapping/>
+  </p:clrMapOvr>
+  <p:timing>
+    <p:tnLst>
+      <p:par>
+        <p:cTn id="1" dur="indefinite" restart="never" nodeType="tmRoot"/>
+      </p:par>
+    </p:tnLst>
+  </p:timing>
+</p:sld>
+</file>
+
+<file path=ppt/slides/slide7.xml><?xml version="1.0" encoding="utf-8"?>
+<p:sld xmlns:a="http://schemas.openxmlformats.org/drawingml/2006/main" xmlns:r="http://schemas.openxmlformats.org/officeDocument/2006/relationships" xmlns:p="http://schemas.openxmlformats.org/presentationml/2006/main">
+  <p:cSld>
+    <p:spTree>
+      <p:nvGrpSpPr>
+        <p:cNvPr id="1" name=""/>
+        <p:cNvGrpSpPr/>
+        <p:nvPr/>
+      </p:nvGrpSpPr>
+      <p:grpSpPr>
+        <a:xfrm>
+          <a:off x="0" y="0"/>
+          <a:ext cx="0" cy="0"/>
+          <a:chOff x="0" y="0"/>
+          <a:chExt cx="0" cy="0"/>
+        </a:xfrm>
+      </p:grpSpPr>
+      <p:sp>
+        <p:nvSpPr>
+          <p:cNvPr id="10" name="ZoneTexte 9"/>
+          <p:cNvSpPr txBox="1"/>
+          <p:nvPr/>
+        </p:nvSpPr>
+        <p:spPr>
+          <a:xfrm>
+            <a:off x="2987824" y="404664"/>
+            <a:ext cx="700448" cy="369332"/>
+          </a:xfrm>
+          <a:prstGeom prst="rect">
+            <a:avLst/>
+          </a:prstGeom>
+        </p:spPr>
+        <p:style>
+          <a:lnRef idx="1">
+            <a:schemeClr val="accent1"/>
+          </a:lnRef>
+          <a:fillRef idx="2">
+            <a:schemeClr val="accent1"/>
+          </a:fillRef>
+          <a:effectRef idx="1">
+            <a:schemeClr val="accent1"/>
+          </a:effectRef>
+          <a:fontRef idx="minor">
+            <a:schemeClr val="dk1"/>
+          </a:fontRef>
+        </p:style>
+        <p:txBody>
+          <a:bodyPr wrap="none" rtlCol="0">
+            <a:spAutoFit/>
+          </a:bodyPr>
+          <a:lstStyle/>
+          <a:p>
+            <a:r>
+              <a:rPr lang="fr-FR" dirty="0" smtClean="0"/>
+              <a:t>Tronc</a:t>
+            </a:r>
+            <a:endParaRPr lang="fr-FR" dirty="0"/>
+          </a:p>
+        </p:txBody>
+      </p:sp>
+      <p:sp>
+        <p:nvSpPr>
+          <p:cNvPr id="8" name="Rectangle 7"/>
+          <p:cNvSpPr/>
+          <p:nvPr/>
+        </p:nvSpPr>
+        <p:spPr>
+          <a:xfrm>
+            <a:off x="971600" y="1556792"/>
+            <a:ext cx="6984776" cy="2862322"/>
+          </a:xfrm>
+          <a:prstGeom prst="rect">
+            <a:avLst/>
+          </a:prstGeom>
+        </p:spPr>
+        <p:txBody>
+          <a:bodyPr wrap="square">
+            <a:spAutoFit/>
+          </a:bodyPr>
+          <a:lstStyle/>
+          <a:p>
+            <a:r>
+              <a:rPr lang="fr-FR" sz="1400" b="1" dirty="0" smtClean="0"/>
+              <a:t>Begin</a:t>
+            </a:r>
+          </a:p>
+          <a:p>
+            <a:pPr lvl="1">
+              <a:spcBef>
+                <a:spcPts val="300"/>
+              </a:spcBef>
+              <a:spcAft>
+                <a:spcPts val="300"/>
+              </a:spcAft>
+            </a:pPr>
+            <a:r>
+              <a:rPr lang="fr-FR" sz="1400" dirty="0" smtClean="0"/>
+              <a:t>1 – Récupérer la structure du cube (Faits, dimensions)</a:t>
+            </a:r>
+          </a:p>
+          <a:p>
+            <a:pPr lvl="1">
+              <a:spcBef>
+                <a:spcPts val="300"/>
+              </a:spcBef>
+              <a:spcAft>
+                <a:spcPts val="300"/>
+              </a:spcAft>
+            </a:pPr>
+            <a:r>
+              <a:rPr lang="fr-FR" sz="1400" dirty="0" smtClean="0"/>
+              <a:t>2 – Récupérer la volumétrie de remplissage du cube -&gt; Count(*)</a:t>
+            </a:r>
+          </a:p>
+          <a:p>
+            <a:pPr lvl="1">
+              <a:spcBef>
+                <a:spcPts val="300"/>
+              </a:spcBef>
+              <a:spcAft>
+                <a:spcPts val="300"/>
+              </a:spcAft>
+            </a:pPr>
+            <a:r>
+              <a:rPr lang="fr-FR" sz="1400" dirty="0" smtClean="0"/>
+              <a:t>3 – Lire la contrainte de taille HDD max saisie par l’utilisateur</a:t>
+            </a:r>
+          </a:p>
+          <a:p>
+            <a:pPr lvl="1">
+              <a:spcBef>
+                <a:spcPts val="300"/>
+              </a:spcBef>
+              <a:spcAft>
+                <a:spcPts val="300"/>
+              </a:spcAft>
+            </a:pPr>
+            <a:endParaRPr lang="fr-FR" sz="1400" dirty="0" smtClean="0"/>
+          </a:p>
+          <a:p>
+            <a:pPr lvl="1">
+              <a:spcBef>
+                <a:spcPts val="300"/>
+              </a:spcBef>
+              <a:spcAft>
+                <a:spcPts val="300"/>
+              </a:spcAft>
+            </a:pPr>
+            <a:r>
+              <a:rPr lang="fr-FR" sz="1400" b="1" dirty="0" smtClean="0">
+                <a:solidFill>
+                  <a:schemeClr val="accent2"/>
+                </a:solidFill>
+              </a:rPr>
+              <a:t>/* ICI : Algorithme 1 ou 2 */</a:t>
+            </a:r>
+          </a:p>
+          <a:p>
+            <a:pPr lvl="1">
+              <a:spcBef>
+                <a:spcPts val="300"/>
+              </a:spcBef>
+              <a:spcAft>
+                <a:spcPts val="300"/>
+              </a:spcAft>
+            </a:pPr>
+            <a:endParaRPr lang="fr-FR" sz="1400" dirty="0" smtClean="0">
+              <a:solidFill>
+                <a:schemeClr val="accent2"/>
+              </a:solidFill>
+            </a:endParaRPr>
+          </a:p>
+          <a:p>
+            <a:pPr lvl="1">
+              <a:spcBef>
+                <a:spcPts val="300"/>
+              </a:spcBef>
+              <a:spcAft>
+                <a:spcPts val="300"/>
+              </a:spcAft>
+            </a:pPr>
+            <a:r>
+              <a:rPr lang="fr-FR" sz="1400" dirty="0" smtClean="0"/>
+              <a:t>4 – Envoyer le modèle d’agrégats à SSAS</a:t>
+            </a:r>
+          </a:p>
+          <a:p>
+            <a:pPr lvl="1">
+              <a:spcBef>
+                <a:spcPts val="300"/>
+              </a:spcBef>
+              <a:spcAft>
+                <a:spcPts val="300"/>
+              </a:spcAft>
+            </a:pPr>
+            <a:r>
+              <a:rPr lang="fr-FR" sz="1400" dirty="0" smtClean="0"/>
+              <a:t>5 – Envoyer l’ordre de </a:t>
+            </a:r>
+            <a:r>
+              <a:rPr lang="fr-FR" sz="1400" dirty="0" err="1" smtClean="0"/>
+              <a:t>processing</a:t>
+            </a:r>
+            <a:r>
+              <a:rPr lang="fr-FR" sz="1400" dirty="0" smtClean="0"/>
+              <a:t> du cube à SSAS en utilisant ce modèle</a:t>
+            </a:r>
+          </a:p>
+          <a:p>
+            <a:r>
+              <a:rPr lang="fr-FR" sz="1400" b="1" dirty="0" smtClean="0"/>
+              <a:t>End</a:t>
+            </a:r>
+          </a:p>
+        </p:txBody>
+      </p:sp>
+      <p:sp>
+        <p:nvSpPr>
+          <p:cNvPr id="6" name="ZoneTexte 5"/>
+          <p:cNvSpPr txBox="1"/>
+          <p:nvPr/>
+        </p:nvSpPr>
+        <p:spPr>
+          <a:xfrm>
+            <a:off x="107504" y="107340"/>
+            <a:ext cx="1232004" cy="369332"/>
+          </a:xfrm>
+          <a:prstGeom prst="rect">
+            <a:avLst/>
+          </a:prstGeom>
+        </p:spPr>
+        <p:style>
+          <a:lnRef idx="0">
+            <a:schemeClr val="accent1"/>
+          </a:lnRef>
+          <a:fillRef idx="3">
+            <a:schemeClr val="accent1"/>
+          </a:fillRef>
+          <a:effectRef idx="3">
+            <a:schemeClr val="accent1"/>
+          </a:effectRef>
+          <a:fontRef idx="minor">
+            <a:schemeClr val="lt1"/>
+          </a:fontRef>
+        </p:style>
+        <p:txBody>
+          <a:bodyPr wrap="none" rtlCol="0">
+            <a:spAutoFit/>
+          </a:bodyPr>
+          <a:lstStyle/>
+          <a:p>
+            <a:r>
+              <a:rPr lang="fr-FR" dirty="0" smtClean="0"/>
+              <a:t>Optimiseur</a:t>
+            </a:r>
+            <a:endParaRPr lang="fr-FR" dirty="0"/>
+          </a:p>
+        </p:txBody>
+      </p:sp>
+    </p:spTree>
+    <p:extLst>
+      <p:ext uri="{BB962C8B-B14F-4D97-AF65-F5344CB8AC3E}">
+        <p14:creationId xmlns:p14="http://schemas.microsoft.com/office/powerpoint/2010/main" val="593714746"/>
       </p:ext>
     </p:extLst>
   </p:cSld>
@@ -9642,8 +8314,8 @@
         </p:nvSpPr>
         <p:spPr>
           <a:xfrm>
-            <a:off x="2987824" y="404664"/>
-            <a:ext cx="700448" cy="369332"/>
+            <a:off x="251520" y="908720"/>
+            <a:ext cx="1944215" cy="646331"/>
           </a:xfrm>
           <a:prstGeom prst="rect">
             <a:avLst/>
@@ -9664,14 +8336,31 @@
           </a:fontRef>
         </p:style>
         <p:txBody>
-          <a:bodyPr wrap="none" rtlCol="0">
+          <a:bodyPr wrap="square" rtlCol="0">
             <a:spAutoFit/>
           </a:bodyPr>
           <a:lstStyle/>
           <a:p>
+            <a:pPr algn="ctr"/>
             <a:r>
               <a:rPr lang="fr-FR" dirty="0" smtClean="0"/>
-              <a:t>Tronc</a:t>
+              <a:t>Algorithme « </a:t>
+            </a:r>
+            <a:r>
+              <a:rPr lang="fr-FR" dirty="0" err="1" smtClean="0"/>
+              <a:t>Metropolis</a:t>
+            </a:r>
+            <a:r>
+              <a:rPr lang="fr-FR" dirty="0" smtClean="0"/>
+              <a:t> </a:t>
+            </a:r>
+            <a:r>
+              <a:rPr lang="fr-FR" dirty="0" err="1" smtClean="0"/>
+              <a:t>like</a:t>
+            </a:r>
+            <a:r>
+              <a:rPr lang="fr-FR" dirty="0" smtClean="0"/>
+              <a:t> »</a:t>
             </a:r>
             <a:endParaRPr lang="fr-FR" dirty="0"/>
           </a:p>
@@ -9685,8 +8374,8 @@
         </p:nvSpPr>
         <p:spPr>
           <a:xfrm>
-            <a:off x="971600" y="1556792"/>
-            <a:ext cx="6984776" cy="2862322"/>
+            <a:off x="2159224" y="908720"/>
+            <a:ext cx="6984776" cy="2277547"/>
           </a:xfrm>
           <a:prstGeom prst="rect">
             <a:avLst/>
@@ -9697,12 +8386,6 @@
             <a:spAutoFit/>
           </a:bodyPr>
           <a:lstStyle/>
-          <a:p>
-            <a:r>
-              <a:rPr lang="fr-FR" sz="1400" b="1" dirty="0" smtClean="0"/>
-              <a:t>Begin</a:t>
-            </a:r>
-          </a:p>
           <a:p>
             <a:pPr lvl="1">
               <a:spcBef>
@@ -9713,16 +8396,134 @@
               </a:spcAft>
             </a:pPr>
             <a:r>
-              <a:rPr lang="fr-FR" sz="1400" dirty="0" smtClean="0"/>
-              <a:t>1</a:t>
-            </a:r>
-            <a:r>
-              <a:rPr lang="fr-FR" sz="1400" dirty="0" smtClean="0"/>
-              <a:t> </a:t>
-            </a:r>
-            <a:r>
-              <a:rPr lang="fr-FR" sz="1400" dirty="0" smtClean="0"/>
-              <a:t>– Récupérer la structure du cube (Faits, dimensions)</a:t>
+              <a:rPr lang="fr-FR" sz="1400" b="1" dirty="0" err="1" smtClean="0">
+                <a:solidFill>
+                  <a:schemeClr val="accent2"/>
+                </a:solidFill>
+              </a:rPr>
+              <a:t>While</a:t>
+            </a:r>
+            <a:r>
+              <a:rPr lang="fr-FR" sz="1400" dirty="0" smtClean="0">
+                <a:solidFill>
+                  <a:schemeClr val="accent2"/>
+                </a:solidFill>
+              </a:rPr>
+              <a:t> (Il reste du HDD disponible) :</a:t>
+            </a:r>
+          </a:p>
+          <a:p>
+            <a:pPr lvl="2">
+              <a:spcBef>
+                <a:spcPts val="300"/>
+              </a:spcBef>
+              <a:spcAft>
+                <a:spcPts val="300"/>
+              </a:spcAft>
+            </a:pPr>
+            <a:r>
+              <a:rPr lang="fr-FR" sz="1400" dirty="0" smtClean="0">
+                <a:solidFill>
+                  <a:schemeClr val="accent2"/>
+                </a:solidFill>
+              </a:rPr>
+              <a:t>1.1 – Variation légère et aléatoire du modèle</a:t>
+            </a:r>
+          </a:p>
+          <a:p>
+            <a:pPr lvl="2">
+              <a:spcBef>
+                <a:spcPts val="300"/>
+              </a:spcBef>
+              <a:spcAft>
+                <a:spcPts val="300"/>
+              </a:spcAft>
+            </a:pPr>
+            <a:r>
+              <a:rPr lang="fr-FR" sz="1400" dirty="0" smtClean="0">
+                <a:solidFill>
+                  <a:schemeClr val="accent2"/>
+                </a:solidFill>
+              </a:rPr>
+              <a:t>1.2 – </a:t>
+            </a:r>
+            <a:r>
+              <a:rPr lang="fr-FR" sz="1400" b="1" dirty="0" smtClean="0">
+                <a:solidFill>
+                  <a:schemeClr val="accent2"/>
+                </a:solidFill>
+              </a:rPr>
+              <a:t>Estimation de la performance</a:t>
+            </a:r>
+          </a:p>
+          <a:p>
+            <a:pPr lvl="3">
+              <a:spcBef>
+                <a:spcPts val="300"/>
+              </a:spcBef>
+              <a:spcAft>
+                <a:spcPts val="300"/>
+              </a:spcAft>
+            </a:pPr>
+            <a:r>
+              <a:rPr lang="fr-FR" sz="1400" dirty="0" smtClean="0">
+                <a:solidFill>
+                  <a:schemeClr val="accent2"/>
+                </a:solidFill>
+              </a:rPr>
+              <a:t>1.2.1 – Si performance actuelle&gt; précédente : On garde ce modèle</a:t>
+            </a:r>
+          </a:p>
+          <a:p>
+            <a:pPr lvl="3">
+              <a:spcBef>
+                <a:spcPts val="300"/>
+              </a:spcBef>
+              <a:spcAft>
+                <a:spcPts val="300"/>
+              </a:spcAft>
+            </a:pPr>
+            <a:r>
+              <a:rPr lang="fr-FR" sz="1400" dirty="0" smtClean="0">
+                <a:solidFill>
+                  <a:schemeClr val="accent2"/>
+                </a:solidFill>
+              </a:rPr>
+              <a:t>1.2.2 – Sinon : Probabilité non-nulle de garder ce modèle (</a:t>
+            </a:r>
+            <a:r>
+              <a:rPr lang="fr-FR" sz="1400" dirty="0" err="1" smtClean="0">
+                <a:solidFill>
+                  <a:schemeClr val="accent2"/>
+                </a:solidFill>
+              </a:rPr>
+              <a:t>Metropolis</a:t>
+            </a:r>
+            <a:r>
+              <a:rPr lang="fr-FR" sz="1400" dirty="0" smtClean="0">
+                <a:solidFill>
+                  <a:schemeClr val="accent2"/>
+                </a:solidFill>
+              </a:rPr>
+              <a:t>) sinon on garde le précédent</a:t>
+            </a:r>
+          </a:p>
+          <a:p>
+            <a:pPr lvl="2">
+              <a:spcBef>
+                <a:spcPts val="300"/>
+              </a:spcBef>
+              <a:spcAft>
+                <a:spcPts val="300"/>
+              </a:spcAft>
+            </a:pPr>
+            <a:r>
+              <a:rPr lang="fr-FR" sz="1400" dirty="0" smtClean="0">
+                <a:solidFill>
+                  <a:schemeClr val="accent2"/>
+                </a:solidFill>
+              </a:rPr>
+              <a:t>1.3 – Si touche clavier utilisateur : On arrête </a:t>
             </a:r>
           </a:p>
           <a:p>
@@ -9735,163 +8536,26 @@
               </a:spcAft>
             </a:pPr>
             <a:r>
-              <a:rPr lang="fr-FR" sz="1400" dirty="0" smtClean="0"/>
-              <a:t>2</a:t>
-            </a:r>
-            <a:r>
-              <a:rPr lang="fr-FR" sz="1400" dirty="0" smtClean="0"/>
-              <a:t> </a:t>
-            </a:r>
-            <a:r>
-              <a:rPr lang="fr-FR" sz="1400" dirty="0" smtClean="0"/>
-              <a:t>– Récupérer la volumétrie de remplissage du cube -&gt; Count(*)</a:t>
-            </a:r>
-          </a:p>
-          <a:p>
-            <a:pPr lvl="1">
-              <a:spcBef>
-                <a:spcPts val="300"/>
-              </a:spcBef>
-              <a:spcAft>
-                <a:spcPts val="300"/>
-              </a:spcAft>
-            </a:pPr>
-            <a:r>
-              <a:rPr lang="fr-FR" sz="1400" dirty="0" smtClean="0"/>
-              <a:t>3</a:t>
-            </a:r>
-            <a:r>
-              <a:rPr lang="fr-FR" sz="1400" dirty="0" smtClean="0"/>
-              <a:t> </a:t>
-            </a:r>
-            <a:r>
-              <a:rPr lang="fr-FR" sz="1400" dirty="0" smtClean="0"/>
-              <a:t>– Lire la contrainte de taille HDD max saisie par l’utilisateur</a:t>
-            </a:r>
-          </a:p>
-          <a:p>
-            <a:pPr lvl="1">
-              <a:spcBef>
-                <a:spcPts val="300"/>
-              </a:spcBef>
-              <a:spcAft>
-                <a:spcPts val="300"/>
-              </a:spcAft>
-            </a:pPr>
-            <a:endParaRPr lang="fr-FR" sz="1400" dirty="0" smtClean="0"/>
-          </a:p>
-          <a:p>
-            <a:pPr lvl="1">
-              <a:spcBef>
-                <a:spcPts val="300"/>
-              </a:spcBef>
-              <a:spcAft>
-                <a:spcPts val="300"/>
-              </a:spcAft>
-            </a:pPr>
-            <a:r>
               <a:rPr lang="fr-FR" sz="1400" b="1" dirty="0" smtClean="0">
                 <a:solidFill>
                   <a:schemeClr val="accent2"/>
                 </a:solidFill>
               </a:rPr>
-              <a:t>/* ICI : Algorithme 1 ou 2 */</a:t>
-            </a:r>
-            <a:endParaRPr lang="fr-FR" sz="1400" b="1" dirty="0" smtClean="0">
-              <a:solidFill>
-                <a:schemeClr val="accent2"/>
-              </a:solidFill>
-            </a:endParaRPr>
-          </a:p>
-          <a:p>
-            <a:pPr lvl="1">
-              <a:spcBef>
-                <a:spcPts val="300"/>
-              </a:spcBef>
-              <a:spcAft>
-                <a:spcPts val="300"/>
-              </a:spcAft>
-            </a:pPr>
+              <a:t>End </a:t>
+            </a:r>
+            <a:r>
+              <a:rPr lang="fr-FR" sz="1400" b="1" dirty="0" err="1" smtClean="0">
+                <a:solidFill>
+                  <a:schemeClr val="accent2"/>
+                </a:solidFill>
+              </a:rPr>
+              <a:t>While</a:t>
+            </a:r>
             <a:endParaRPr lang="fr-FR" sz="1400" dirty="0" smtClean="0">
               <a:solidFill>
                 <a:schemeClr val="accent2"/>
               </a:solidFill>
             </a:endParaRPr>
-          </a:p>
-          <a:p>
-            <a:pPr lvl="1">
-              <a:spcBef>
-                <a:spcPts val="300"/>
-              </a:spcBef>
-              <a:spcAft>
-                <a:spcPts val="300"/>
-              </a:spcAft>
-            </a:pPr>
-            <a:r>
-              <a:rPr lang="fr-FR" sz="1400" dirty="0" smtClean="0"/>
-              <a:t>4 </a:t>
-            </a:r>
-            <a:r>
-              <a:rPr lang="fr-FR" sz="1400" dirty="0" smtClean="0"/>
-              <a:t>– Envoyer le </a:t>
-            </a:r>
-            <a:r>
-              <a:rPr lang="fr-FR" sz="1400" dirty="0" smtClean="0"/>
-              <a:t>modèle </a:t>
-            </a:r>
-            <a:r>
-              <a:rPr lang="fr-FR" sz="1400" dirty="0" smtClean="0"/>
-              <a:t>d’agrégats à SSAS</a:t>
-            </a:r>
-          </a:p>
-          <a:p>
-            <a:pPr lvl="1">
-              <a:spcBef>
-                <a:spcPts val="300"/>
-              </a:spcBef>
-              <a:spcAft>
-                <a:spcPts val="300"/>
-              </a:spcAft>
-            </a:pPr>
-            <a:r>
-              <a:rPr lang="fr-FR" sz="1400" dirty="0" smtClean="0"/>
-              <a:t>5</a:t>
-            </a:r>
-            <a:r>
-              <a:rPr lang="fr-FR" sz="1400" dirty="0" smtClean="0"/>
-              <a:t> </a:t>
-            </a:r>
-            <a:r>
-              <a:rPr lang="fr-FR" sz="1400" dirty="0" smtClean="0"/>
-              <a:t>– Envoyer </a:t>
-            </a:r>
-            <a:r>
-              <a:rPr lang="fr-FR" sz="1400" dirty="0" smtClean="0"/>
-              <a:t>l’ordre de </a:t>
-            </a:r>
-            <a:r>
-              <a:rPr lang="fr-FR" sz="1400" dirty="0" err="1" smtClean="0"/>
-              <a:t>processing</a:t>
-            </a:r>
-            <a:r>
-              <a:rPr lang="fr-FR" sz="1400" dirty="0" smtClean="0"/>
-              <a:t> </a:t>
-            </a:r>
-            <a:r>
-              <a:rPr lang="fr-FR" sz="1400" dirty="0" smtClean="0"/>
-              <a:t>du cube à </a:t>
-            </a:r>
-            <a:r>
-              <a:rPr lang="fr-FR" sz="1400" dirty="0" smtClean="0"/>
-              <a:t>SSAS en utilisant ce modèle</a:t>
-            </a:r>
-            <a:endParaRPr lang="fr-FR" sz="1400" dirty="0" smtClean="0"/>
-          </a:p>
-          <a:p>
-            <a:r>
-              <a:rPr lang="fr-FR" sz="1400" b="1" dirty="0" smtClean="0"/>
-              <a:t>End</a:t>
-            </a:r>
           </a:p>
         </p:txBody>
       </p:sp>
@@ -9938,10 +8602,215 @@
           </a:p>
         </p:txBody>
       </p:sp>
+      <p:sp>
+        <p:nvSpPr>
+          <p:cNvPr id="7" name="Rectangle 6"/>
+          <p:cNvSpPr/>
+          <p:nvPr/>
+        </p:nvSpPr>
+        <p:spPr>
+          <a:xfrm>
+            <a:off x="2735288" y="4725144"/>
+            <a:ext cx="6408712" cy="892552"/>
+          </a:xfrm>
+          <a:prstGeom prst="rect">
+            <a:avLst/>
+          </a:prstGeom>
+        </p:spPr>
+        <p:txBody>
+          <a:bodyPr wrap="square">
+            <a:spAutoFit/>
+          </a:bodyPr>
+          <a:lstStyle/>
+          <a:p>
+            <a:pPr lvl="1">
+              <a:spcBef>
+                <a:spcPts val="300"/>
+              </a:spcBef>
+              <a:spcAft>
+                <a:spcPts val="300"/>
+              </a:spcAft>
+            </a:pPr>
+            <a:r>
+              <a:rPr lang="fr-FR" sz="1400" b="1" dirty="0" err="1" smtClean="0">
+                <a:solidFill>
+                  <a:schemeClr val="accent2"/>
+                </a:solidFill>
+              </a:rPr>
+              <a:t>While</a:t>
+            </a:r>
+            <a:r>
+              <a:rPr lang="fr-FR" sz="1400" dirty="0" smtClean="0">
+                <a:solidFill>
+                  <a:schemeClr val="accent2"/>
+                </a:solidFill>
+              </a:rPr>
+              <a:t> (Tout le cuboïde n’a pas été traité || Il reste du HDD disponible) :</a:t>
+            </a:r>
+          </a:p>
+          <a:p>
+            <a:pPr lvl="2">
+              <a:spcBef>
+                <a:spcPts val="300"/>
+              </a:spcBef>
+              <a:spcAft>
+                <a:spcPts val="300"/>
+              </a:spcAft>
+            </a:pPr>
+            <a:r>
+              <a:rPr lang="fr-FR" sz="1400" dirty="0" smtClean="0">
+                <a:solidFill>
+                  <a:schemeClr val="accent2"/>
+                </a:solidFill>
+              </a:rPr>
+              <a:t>Algorithme « Matérialisation partielle » du D111 - Calcul du bénéfice</a:t>
+            </a:r>
+          </a:p>
+          <a:p>
+            <a:pPr lvl="1">
+              <a:spcBef>
+                <a:spcPts val="300"/>
+              </a:spcBef>
+              <a:spcAft>
+                <a:spcPts val="300"/>
+              </a:spcAft>
+            </a:pPr>
+            <a:r>
+              <a:rPr lang="fr-FR" sz="1400" b="1" dirty="0" smtClean="0">
+                <a:solidFill>
+                  <a:schemeClr val="accent2"/>
+                </a:solidFill>
+              </a:rPr>
+              <a:t>End </a:t>
+            </a:r>
+            <a:r>
+              <a:rPr lang="fr-FR" sz="1400" b="1" dirty="0" err="1" smtClean="0">
+                <a:solidFill>
+                  <a:schemeClr val="accent2"/>
+                </a:solidFill>
+              </a:rPr>
+              <a:t>While</a:t>
+            </a:r>
+            <a:endParaRPr lang="fr-FR" sz="1400" b="1" dirty="0" smtClean="0">
+              <a:solidFill>
+                <a:schemeClr val="accent2"/>
+              </a:solidFill>
+            </a:endParaRPr>
+          </a:p>
+        </p:txBody>
+      </p:sp>
+      <p:sp>
+        <p:nvSpPr>
+          <p:cNvPr id="9" name="ZoneTexte 8"/>
+          <p:cNvSpPr txBox="1"/>
+          <p:nvPr/>
+        </p:nvSpPr>
+        <p:spPr>
+          <a:xfrm>
+            <a:off x="251520" y="4653136"/>
+            <a:ext cx="2592288" cy="646331"/>
+          </a:xfrm>
+          <a:prstGeom prst="rect">
+            <a:avLst/>
+          </a:prstGeom>
+        </p:spPr>
+        <p:style>
+          <a:lnRef idx="1">
+            <a:schemeClr val="accent1"/>
+          </a:lnRef>
+          <a:fillRef idx="2">
+            <a:schemeClr val="accent1"/>
+          </a:fillRef>
+          <a:effectRef idx="1">
+            <a:schemeClr val="accent1"/>
+          </a:effectRef>
+          <a:fontRef idx="minor">
+            <a:schemeClr val="dk1"/>
+          </a:fontRef>
+        </p:style>
+        <p:txBody>
+          <a:bodyPr wrap="square" rtlCol="0">
+            <a:spAutoFit/>
+          </a:bodyPr>
+          <a:lstStyle/>
+          <a:p>
+            <a:r>
+              <a:rPr lang="fr-FR" dirty="0" smtClean="0"/>
+              <a:t>Algorithme « D111 </a:t>
+            </a:r>
+            <a:r>
+              <a:rPr lang="fr-FR" dirty="0" err="1" smtClean="0"/>
+              <a:t>like</a:t>
+            </a:r>
+            <a:r>
+              <a:rPr lang="fr-FR" dirty="0" smtClean="0"/>
+              <a:t> » : Matérialisation partielle »</a:t>
+            </a:r>
+            <a:endParaRPr lang="fr-FR" dirty="0"/>
+          </a:p>
+        </p:txBody>
+      </p:sp>
+      <p:sp>
+        <p:nvSpPr>
+          <p:cNvPr id="11" name="ZoneTexte 10"/>
+          <p:cNvSpPr txBox="1"/>
+          <p:nvPr/>
+        </p:nvSpPr>
+        <p:spPr>
+          <a:xfrm>
+            <a:off x="5664730" y="611106"/>
+            <a:ext cx="2880828" cy="523220"/>
+          </a:xfrm>
+          <a:prstGeom prst="rect">
+            <a:avLst/>
+          </a:prstGeom>
+        </p:spPr>
+        <p:style>
+          <a:lnRef idx="1">
+            <a:schemeClr val="accent5"/>
+          </a:lnRef>
+          <a:fillRef idx="2">
+            <a:schemeClr val="accent5"/>
+          </a:fillRef>
+          <a:effectRef idx="1">
+            <a:schemeClr val="accent5"/>
+          </a:effectRef>
+          <a:fontRef idx="minor">
+            <a:schemeClr val="dk1"/>
+          </a:fontRef>
+        </p:style>
+        <p:txBody>
+          <a:bodyPr wrap="square" rtlCol="0">
+            <a:spAutoFit/>
+          </a:bodyPr>
+          <a:lstStyle/>
+          <a:p>
+            <a:r>
+              <a:rPr lang="fr-FR" sz="1400" b="1" dirty="0" smtClean="0"/>
+              <a:t>Thomas</a:t>
+            </a:r>
+            <a:r>
+              <a:rPr lang="fr-FR" sz="1400" dirty="0" smtClean="0"/>
+              <a:t> : Piste sur les KPI</a:t>
+            </a:r>
+          </a:p>
+          <a:p>
+            <a:r>
+              <a:rPr lang="fr-FR" sz="1400" b="1" dirty="0" smtClean="0"/>
+              <a:t>Olivier : </a:t>
+            </a:r>
+            <a:r>
+              <a:rPr lang="fr-FR" sz="1400" dirty="0" smtClean="0"/>
+              <a:t>Piste sur l’EXPLAIN PLAN</a:t>
+            </a:r>
+            <a:endParaRPr lang="fr-FR" sz="1400" dirty="0" smtClean="0"/>
+          </a:p>
+        </p:txBody>
+      </p:sp>
     </p:spTree>
     <p:extLst>
       <p:ext uri="{BB962C8B-B14F-4D97-AF65-F5344CB8AC3E}">
-        <p14:creationId xmlns:p14="http://schemas.microsoft.com/office/powerpoint/2010/main" xmlns="" val="593714746"/>
+        <p14:creationId xmlns:p14="http://schemas.microsoft.com/office/powerpoint/2010/main" val="593714746"/>
       </p:ext>
     </p:extLst>
   </p:cSld>
@@ -9983,341 +8852,8 @@
         </p:nvSpPr>
         <p:spPr>
           <a:xfrm>
-            <a:off x="251520" y="908720"/>
-            <a:ext cx="1944215" cy="646331"/>
-          </a:xfrm>
-          <a:prstGeom prst="rect">
-            <a:avLst/>
-          </a:prstGeom>
-        </p:spPr>
-        <p:style>
-          <a:lnRef idx="1">
-            <a:schemeClr val="accent1"/>
-          </a:lnRef>
-          <a:fillRef idx="2">
-            <a:schemeClr val="accent1"/>
-          </a:fillRef>
-          <a:effectRef idx="1">
-            <a:schemeClr val="accent1"/>
-          </a:effectRef>
-          <a:fontRef idx="minor">
-            <a:schemeClr val="dk1"/>
-          </a:fontRef>
-        </p:style>
-        <p:txBody>
-          <a:bodyPr wrap="square" rtlCol="0">
-            <a:spAutoFit/>
-          </a:bodyPr>
-          <a:lstStyle/>
-          <a:p>
-            <a:pPr algn="ctr"/>
-            <a:r>
-              <a:rPr lang="fr-FR" dirty="0" smtClean="0"/>
-              <a:t>Algorithme « </a:t>
-            </a:r>
-            <a:r>
-              <a:rPr lang="fr-FR" dirty="0" err="1" smtClean="0"/>
-              <a:t>Metropolis</a:t>
-            </a:r>
-            <a:r>
-              <a:rPr lang="fr-FR" dirty="0" smtClean="0"/>
-              <a:t> </a:t>
-            </a:r>
-            <a:r>
-              <a:rPr lang="fr-FR" dirty="0" err="1" smtClean="0"/>
-              <a:t>like</a:t>
-            </a:r>
-            <a:r>
-              <a:rPr lang="fr-FR" dirty="0" smtClean="0"/>
-              <a:t> »</a:t>
-            </a:r>
-            <a:endParaRPr lang="fr-FR" dirty="0"/>
-          </a:p>
-        </p:txBody>
-      </p:sp>
-      <p:sp>
-        <p:nvSpPr>
-          <p:cNvPr id="8" name="Rectangle 7"/>
-          <p:cNvSpPr/>
-          <p:nvPr/>
-        </p:nvSpPr>
-        <p:spPr>
-          <a:xfrm>
-            <a:off x="2159224" y="908720"/>
-            <a:ext cx="6984776" cy="2277547"/>
-          </a:xfrm>
-          <a:prstGeom prst="rect">
-            <a:avLst/>
-          </a:prstGeom>
-        </p:spPr>
-        <p:txBody>
-          <a:bodyPr wrap="square">
-            <a:spAutoFit/>
-          </a:bodyPr>
-          <a:lstStyle/>
-          <a:p>
-            <a:pPr lvl="1">
-              <a:spcBef>
-                <a:spcPts val="300"/>
-              </a:spcBef>
-              <a:spcAft>
-                <a:spcPts val="300"/>
-              </a:spcAft>
-            </a:pPr>
-            <a:r>
-              <a:rPr lang="fr-FR" sz="1400" b="1" dirty="0" err="1" smtClean="0">
-                <a:solidFill>
-                  <a:schemeClr val="accent2"/>
-                </a:solidFill>
-              </a:rPr>
-              <a:t>While</a:t>
-            </a:r>
-            <a:r>
-              <a:rPr lang="fr-FR" sz="1400" dirty="0" smtClean="0">
-                <a:solidFill>
-                  <a:schemeClr val="accent2"/>
-                </a:solidFill>
-              </a:rPr>
-              <a:t> </a:t>
-            </a:r>
-            <a:r>
-              <a:rPr lang="fr-FR" sz="1400" dirty="0" smtClean="0">
-                <a:solidFill>
-                  <a:schemeClr val="accent2"/>
-                </a:solidFill>
-              </a:rPr>
-              <a:t>(Il reste du HDD disponible) :</a:t>
-            </a:r>
-          </a:p>
-          <a:p>
-            <a:pPr lvl="2">
-              <a:spcBef>
-                <a:spcPts val="300"/>
-              </a:spcBef>
-              <a:spcAft>
-                <a:spcPts val="300"/>
-              </a:spcAft>
-            </a:pPr>
-            <a:r>
-              <a:rPr lang="fr-FR" sz="1400" dirty="0" smtClean="0">
-                <a:solidFill>
-                  <a:schemeClr val="accent2"/>
-                </a:solidFill>
-              </a:rPr>
-              <a:t>1</a:t>
-            </a:r>
-            <a:r>
-              <a:rPr lang="fr-FR" sz="1400" dirty="0" smtClean="0">
-                <a:solidFill>
-                  <a:schemeClr val="accent2"/>
-                </a:solidFill>
-              </a:rPr>
-              <a:t>.1 </a:t>
-            </a:r>
-            <a:r>
-              <a:rPr lang="fr-FR" sz="1400" dirty="0" smtClean="0">
-                <a:solidFill>
-                  <a:schemeClr val="accent2"/>
-                </a:solidFill>
-              </a:rPr>
-              <a:t>– Variation légère et aléatoire du modèle</a:t>
-            </a:r>
-          </a:p>
-          <a:p>
-            <a:pPr lvl="2">
-              <a:spcBef>
-                <a:spcPts val="300"/>
-              </a:spcBef>
-              <a:spcAft>
-                <a:spcPts val="300"/>
-              </a:spcAft>
-            </a:pPr>
-            <a:r>
-              <a:rPr lang="fr-FR" sz="1400" dirty="0" smtClean="0">
-                <a:solidFill>
-                  <a:schemeClr val="accent2"/>
-                </a:solidFill>
-              </a:rPr>
-              <a:t>1</a:t>
-            </a:r>
-            <a:r>
-              <a:rPr lang="fr-FR" sz="1400" dirty="0" smtClean="0">
-                <a:solidFill>
-                  <a:schemeClr val="accent2"/>
-                </a:solidFill>
-              </a:rPr>
-              <a:t>.2 </a:t>
-            </a:r>
-            <a:r>
-              <a:rPr lang="fr-FR" sz="1400" dirty="0" smtClean="0">
-                <a:solidFill>
-                  <a:schemeClr val="accent2"/>
-                </a:solidFill>
-              </a:rPr>
-              <a:t>– Estimation de la performance</a:t>
-            </a:r>
-          </a:p>
-          <a:p>
-            <a:pPr lvl="3">
-              <a:spcBef>
-                <a:spcPts val="300"/>
-              </a:spcBef>
-              <a:spcAft>
-                <a:spcPts val="300"/>
-              </a:spcAft>
-            </a:pPr>
-            <a:r>
-              <a:rPr lang="fr-FR" sz="1400" dirty="0" smtClean="0">
-                <a:solidFill>
-                  <a:schemeClr val="accent2"/>
-                </a:solidFill>
-              </a:rPr>
-              <a:t>1</a:t>
-            </a:r>
-            <a:r>
-              <a:rPr lang="fr-FR" sz="1400" dirty="0" smtClean="0">
-                <a:solidFill>
-                  <a:schemeClr val="accent2"/>
-                </a:solidFill>
-              </a:rPr>
-              <a:t>.2.1 </a:t>
-            </a:r>
-            <a:r>
-              <a:rPr lang="fr-FR" sz="1400" dirty="0" smtClean="0">
-                <a:solidFill>
-                  <a:schemeClr val="accent2"/>
-                </a:solidFill>
-              </a:rPr>
-              <a:t>– Si performance actuelle&gt; précédente : On garde ce modèle</a:t>
-            </a:r>
-          </a:p>
-          <a:p>
-            <a:pPr lvl="3">
-              <a:spcBef>
-                <a:spcPts val="300"/>
-              </a:spcBef>
-              <a:spcAft>
-                <a:spcPts val="300"/>
-              </a:spcAft>
-            </a:pPr>
-            <a:r>
-              <a:rPr lang="fr-FR" sz="1400" dirty="0" smtClean="0">
-                <a:solidFill>
-                  <a:schemeClr val="accent2"/>
-                </a:solidFill>
-              </a:rPr>
-              <a:t>1</a:t>
-            </a:r>
-            <a:r>
-              <a:rPr lang="fr-FR" sz="1400" dirty="0" smtClean="0">
-                <a:solidFill>
-                  <a:schemeClr val="accent2"/>
-                </a:solidFill>
-              </a:rPr>
-              <a:t>.2.2 </a:t>
-            </a:r>
-            <a:r>
-              <a:rPr lang="fr-FR" sz="1400" dirty="0" smtClean="0">
-                <a:solidFill>
-                  <a:schemeClr val="accent2"/>
-                </a:solidFill>
-              </a:rPr>
-              <a:t>– Sinon : Probabilité non-nulle de garder ce modèle (</a:t>
-            </a:r>
-            <a:r>
-              <a:rPr lang="fr-FR" sz="1400" dirty="0" err="1" smtClean="0">
-                <a:solidFill>
-                  <a:schemeClr val="accent2"/>
-                </a:solidFill>
-              </a:rPr>
-              <a:t>Metropolis</a:t>
-            </a:r>
-            <a:r>
-              <a:rPr lang="fr-FR" sz="1400" dirty="0" smtClean="0">
-                <a:solidFill>
-                  <a:schemeClr val="accent2"/>
-                </a:solidFill>
-              </a:rPr>
-              <a:t>) sinon on garde le précédent</a:t>
-            </a:r>
-          </a:p>
-          <a:p>
-            <a:pPr lvl="2">
-              <a:spcBef>
-                <a:spcPts val="300"/>
-              </a:spcBef>
-              <a:spcAft>
-                <a:spcPts val="300"/>
-              </a:spcAft>
-            </a:pPr>
-            <a:r>
-              <a:rPr lang="fr-FR" sz="1400" dirty="0" smtClean="0">
-                <a:solidFill>
-                  <a:schemeClr val="accent2"/>
-                </a:solidFill>
-              </a:rPr>
-              <a:t>1</a:t>
-            </a:r>
-            <a:r>
-              <a:rPr lang="fr-FR" sz="1400" dirty="0" smtClean="0">
-                <a:solidFill>
-                  <a:schemeClr val="accent2"/>
-                </a:solidFill>
-              </a:rPr>
-              <a:t>.3 </a:t>
-            </a:r>
-            <a:r>
-              <a:rPr lang="fr-FR" sz="1400" dirty="0" smtClean="0">
-                <a:solidFill>
-                  <a:schemeClr val="accent2"/>
-                </a:solidFill>
-              </a:rPr>
-              <a:t>– Si touche clavier utilisateur : On arrête </a:t>
-            </a:r>
-          </a:p>
-          <a:p>
-            <a:pPr lvl="1">
-              <a:spcBef>
-                <a:spcPts val="300"/>
-              </a:spcBef>
-              <a:spcAft>
-                <a:spcPts val="300"/>
-              </a:spcAft>
-            </a:pPr>
-            <a:r>
-              <a:rPr lang="fr-FR" sz="1400" b="1" dirty="0" smtClean="0">
-                <a:solidFill>
-                  <a:schemeClr val="accent2"/>
-                </a:solidFill>
-              </a:rPr>
-              <a:t>End </a:t>
-            </a:r>
-            <a:r>
-              <a:rPr lang="fr-FR" sz="1400" b="1" dirty="0" err="1" smtClean="0">
-                <a:solidFill>
-                  <a:schemeClr val="accent2"/>
-                </a:solidFill>
-              </a:rPr>
-              <a:t>While</a:t>
-            </a:r>
-            <a:endParaRPr lang="fr-FR" sz="1400" dirty="0" smtClean="0">
-              <a:solidFill>
-                <a:schemeClr val="accent2"/>
-              </a:solidFill>
-            </a:endParaRPr>
-          </a:p>
-        </p:txBody>
-      </p:sp>
-      <p:sp>
-        <p:nvSpPr>
-          <p:cNvPr id="6" name="ZoneTexte 5"/>
-          <p:cNvSpPr txBox="1"/>
-          <p:nvPr/>
-        </p:nvSpPr>
-        <p:spPr>
-          <a:xfrm>
             <a:off x="107504" y="107340"/>
-            <a:ext cx="1232004" cy="369332"/>
+            <a:ext cx="1403910" cy="369332"/>
           </a:xfrm>
           <a:prstGeom prst="rect">
             <a:avLst/>
@@ -10345,7 +8881,7 @@
           <a:p>
             <a:r>
               <a:rPr lang="fr-FR" dirty="0" smtClean="0"/>
-              <a:t>Optimiseur</a:t>
+              <a:t>Reports SSRS</a:t>
             </a:r>
             <a:endParaRPr lang="fr-FR" dirty="0"/>
           </a:p>
@@ -10353,14 +8889,14 @@
       </p:sp>
       <p:sp>
         <p:nvSpPr>
-          <p:cNvPr id="7" name="Rectangle 6"/>
+          <p:cNvPr id="8" name="Rectangle 7"/>
           <p:cNvSpPr/>
           <p:nvPr/>
         </p:nvSpPr>
         <p:spPr>
           <a:xfrm>
-            <a:off x="2735288" y="4725144"/>
-            <a:ext cx="6408712" cy="892552"/>
+            <a:off x="683568" y="620688"/>
+            <a:ext cx="8280920" cy="5586145"/>
           </a:xfrm>
           <a:prstGeom prst="rect">
             <a:avLst/>
@@ -10371,6 +8907,41 @@
             <a:spAutoFit/>
           </a:bodyPr>
           <a:lstStyle/>
+          <a:p>
+            <a:pPr>
+              <a:spcBef>
+                <a:spcPts val="300"/>
+              </a:spcBef>
+              <a:spcAft>
+                <a:spcPts val="300"/>
+              </a:spcAft>
+            </a:pPr>
+            <a:r>
+              <a:rPr lang="fr-FR" sz="1600" b="1" u="sng" dirty="0" smtClean="0"/>
+              <a:t>Pour les métiers de la Direction</a:t>
+            </a:r>
+          </a:p>
+          <a:p>
+            <a:pPr>
+              <a:spcBef>
+                <a:spcPts val="300"/>
+              </a:spcBef>
+              <a:spcAft>
+                <a:spcPts val="300"/>
+              </a:spcAft>
+            </a:pPr>
+            <a:r>
+              <a:rPr lang="fr-FR" sz="1600" dirty="0" smtClean="0"/>
+              <a:t>Evolution (du CA ; de la marge) </a:t>
+            </a:r>
+            <a:r>
+              <a:rPr lang="fr-FR" sz="1600" dirty="0" smtClean="0">
+                <a:sym typeface="Symbol"/>
+              </a:rPr>
+              <a:t> (par mois ; par année ; par département)</a:t>
+            </a:r>
+            <a:endParaRPr lang="fr-FR" sz="1600" dirty="0" smtClean="0"/>
+          </a:p>
           <a:p>
             <a:pPr lvl="1">
               <a:spcBef>
@@ -10379,34 +8950,172 @@
               <a:spcAft>
                 <a:spcPts val="300"/>
               </a:spcAft>
+              <a:buFont typeface="Wingdings" pitchFamily="2" charset="2"/>
+              <a:buChar char="Ø"/>
             </a:pPr>
             <a:r>
-              <a:rPr lang="fr-FR" sz="1400" b="1" dirty="0" err="1" smtClean="0">
-                <a:solidFill>
-                  <a:schemeClr val="accent2"/>
-                </a:solidFill>
-              </a:rPr>
-              <a:t>While</a:t>
-            </a:r>
-            <a:r>
-              <a:rPr lang="fr-FR" sz="1400" dirty="0" smtClean="0">
-                <a:solidFill>
-                  <a:schemeClr val="accent2"/>
-                </a:solidFill>
-              </a:rPr>
+              <a:rPr lang="fr-FR" sz="1400" b="1" dirty="0" smtClean="0"/>
+              <a:t>  Report R1 </a:t>
+            </a:r>
+            <a:r>
+              <a:rPr lang="fr-FR" sz="1400" dirty="0" smtClean="0"/>
+              <a:t>: Evolution </a:t>
+            </a:r>
+            <a:r>
+              <a:rPr lang="fr-FR" sz="1400" u="sng" dirty="0" smtClean="0"/>
+              <a:t>CA et marge</a:t>
+            </a:r>
+            <a:r>
+              <a:rPr lang="fr-FR" sz="1400" dirty="0" smtClean="0"/>
+              <a:t> par </a:t>
+            </a:r>
+            <a:r>
+              <a:rPr lang="fr-FR" sz="1400" u="sng" dirty="0" smtClean="0"/>
+              <a:t>mois</a:t>
+            </a:r>
+            <a:r>
+              <a:rPr lang="fr-FR" sz="1400" dirty="0" smtClean="0"/>
+              <a:t> sur la </a:t>
+            </a:r>
+            <a:r>
+              <a:rPr lang="fr-FR" sz="1400" u="sng" dirty="0" smtClean="0"/>
+              <a:t>France entière</a:t>
+            </a:r>
+          </a:p>
+          <a:p>
+            <a:pPr lvl="1">
+              <a:spcBef>
+                <a:spcPts val="300"/>
+              </a:spcBef>
+              <a:spcAft>
+                <a:spcPts val="300"/>
+              </a:spcAft>
+              <a:buFont typeface="Wingdings" pitchFamily="2" charset="2"/>
+              <a:buChar char="Ø"/>
+            </a:pPr>
+            <a:r>
+              <a:rPr lang="fr-FR" sz="1400" dirty="0" smtClean="0"/>
+              <a:t>  </a:t>
+            </a:r>
+            <a:r>
+              <a:rPr lang="fr-FR" sz="1400" b="1" dirty="0" smtClean="0"/>
+              <a:t>Report R2 </a:t>
+            </a:r>
+            <a:r>
+              <a:rPr lang="fr-FR" sz="1400" dirty="0" smtClean="0"/>
+              <a:t>: Evolution </a:t>
+            </a:r>
+            <a:r>
+              <a:rPr lang="fr-FR" sz="1400" u="sng" dirty="0" smtClean="0"/>
+              <a:t>CA et marge</a:t>
+            </a:r>
+            <a:r>
+              <a:rPr lang="fr-FR" sz="1400" dirty="0" smtClean="0"/>
+              <a:t> par </a:t>
+            </a:r>
+            <a:r>
+              <a:rPr lang="fr-FR" sz="1400" u="sng" dirty="0" smtClean="0"/>
+              <a:t>année</a:t>
+            </a:r>
+            <a:r>
+              <a:rPr lang="fr-FR" sz="1400" dirty="0" smtClean="0"/>
+              <a:t> sur la </a:t>
+            </a:r>
+            <a:r>
+              <a:rPr lang="fr-FR" sz="1400" u="sng" dirty="0" smtClean="0"/>
+              <a:t>France entière</a:t>
+            </a:r>
+          </a:p>
+          <a:p>
+            <a:pPr lvl="1">
+              <a:spcBef>
+                <a:spcPts val="300"/>
+              </a:spcBef>
+              <a:spcAft>
+                <a:spcPts val="300"/>
+              </a:spcAft>
+              <a:buFont typeface="Wingdings" pitchFamily="2" charset="2"/>
+              <a:buChar char="Ø"/>
+            </a:pPr>
+            <a:r>
+              <a:rPr lang="fr-FR" sz="1400" dirty="0" smtClean="0"/>
+              <a:t>  </a:t>
+            </a:r>
+            <a:r>
+              <a:rPr lang="fr-FR" sz="1400" b="1" dirty="0" smtClean="0"/>
+              <a:t>Report R3 </a:t>
+            </a:r>
+            <a:r>
+              <a:rPr lang="fr-FR" sz="1400" dirty="0" smtClean="0"/>
+              <a:t>: Evolution </a:t>
+            </a:r>
+            <a:r>
+              <a:rPr lang="fr-FR" sz="1400" u="sng" dirty="0" smtClean="0"/>
+              <a:t>CA et marge</a:t>
+            </a:r>
+            <a:r>
+              <a:rPr lang="fr-FR" sz="1400" dirty="0" smtClean="0"/>
+              <a:t> par </a:t>
+            </a:r>
+            <a:r>
+              <a:rPr lang="fr-FR" sz="1400" u="sng" dirty="0" smtClean="0"/>
+              <a:t>mois</a:t>
+            </a:r>
+            <a:r>
+              <a:rPr lang="fr-FR" sz="1400" dirty="0" smtClean="0"/>
+              <a:t> par </a:t>
+            </a:r>
+            <a:r>
+              <a:rPr lang="fr-FR" sz="1400" u="sng" dirty="0" smtClean="0"/>
+              <a:t>département</a:t>
+            </a:r>
+          </a:p>
+          <a:p>
+            <a:pPr lvl="1">
+              <a:spcBef>
+                <a:spcPts val="300"/>
+              </a:spcBef>
+              <a:spcAft>
+                <a:spcPts val="300"/>
+              </a:spcAft>
+              <a:buFont typeface="Wingdings" pitchFamily="2" charset="2"/>
+              <a:buChar char="Ø"/>
+            </a:pPr>
+            <a:r>
+              <a:rPr lang="fr-FR" sz="1400" dirty="0" smtClean="0"/>
               <a:t> </a:t>
             </a:r>
             <a:r>
-              <a:rPr lang="fr-FR" sz="1400" dirty="0" smtClean="0">
-                <a:solidFill>
-                  <a:schemeClr val="accent2"/>
-                </a:solidFill>
-              </a:rPr>
-              <a:t>(Tout le cuboïde n’a pas été traité || Il reste du HDD disponible) :</a:t>
-            </a:r>
-          </a:p>
-          <a:p>
-            <a:pPr lvl="2">
+              <a:rPr lang="fr-FR" sz="1400" b="1" dirty="0" smtClean="0"/>
+              <a:t> Report R4 </a:t>
+            </a:r>
+            <a:r>
+              <a:rPr lang="fr-FR" sz="1400" dirty="0" smtClean="0"/>
+              <a:t>: Evolution </a:t>
+            </a:r>
+            <a:r>
+              <a:rPr lang="fr-FR" sz="1400" u="sng" dirty="0" smtClean="0"/>
+              <a:t>CA et marge</a:t>
+            </a:r>
+            <a:r>
+              <a:rPr lang="fr-FR" sz="1400" dirty="0" smtClean="0"/>
+              <a:t> par </a:t>
+            </a:r>
+            <a:r>
+              <a:rPr lang="fr-FR" sz="1400" u="sng" dirty="0" smtClean="0"/>
+              <a:t>année</a:t>
+            </a:r>
+            <a:r>
+              <a:rPr lang="fr-FR" sz="1400" dirty="0" smtClean="0"/>
+              <a:t> par </a:t>
+            </a:r>
+            <a:r>
+              <a:rPr lang="fr-FR" sz="1400" u="sng" dirty="0" smtClean="0"/>
+              <a:t>département</a:t>
+            </a:r>
+          </a:p>
+          <a:p>
+            <a:pPr>
               <a:spcBef>
                 <a:spcPts val="300"/>
               </a:spcBef>
@@ -10414,22 +9123,50 @@
                 <a:spcPts val="300"/>
               </a:spcAft>
             </a:pPr>
-            <a:r>
-              <a:rPr lang="fr-FR" sz="1400" dirty="0" smtClean="0">
-                <a:solidFill>
-                  <a:schemeClr val="accent2"/>
-                </a:solidFill>
+            <a:endParaRPr lang="fr-FR" sz="1600" b="1" dirty="0" smtClean="0"/>
+          </a:p>
+          <a:p>
+            <a:pPr>
+              <a:spcBef>
+                <a:spcPts val="300"/>
+              </a:spcBef>
+              <a:spcAft>
+                <a:spcPts val="300"/>
+              </a:spcAft>
+            </a:pPr>
+            <a:r>
+              <a:rPr lang="fr-FR" sz="1600" b="1" u="sng" dirty="0" smtClean="0"/>
+              <a:t>Pour les métiers du Marketing</a:t>
+            </a:r>
+          </a:p>
+          <a:p>
+            <a:pPr>
+              <a:spcBef>
+                <a:spcPts val="300"/>
+              </a:spcBef>
+              <a:spcAft>
+                <a:spcPts val="300"/>
+              </a:spcAft>
+            </a:pPr>
+            <a:r>
+              <a:rPr lang="fr-FR" sz="1600" dirty="0" smtClean="0"/>
+              <a:t>Evolution</a:t>
+            </a:r>
+            <a:r>
+              <a:rPr lang="fr-FR" sz="1600" b="1" dirty="0" smtClean="0"/>
+              <a:t> (</a:t>
+            </a:r>
+            <a:r>
+              <a:rPr lang="fr-FR" sz="1600" dirty="0" smtClean="0"/>
+              <a:t>du volume des ventes) </a:t>
+            </a:r>
+            <a:r>
+              <a:rPr lang="fr-FR" sz="1600" dirty="0" smtClean="0">
+                <a:sym typeface="Symbol"/>
               </a:rPr>
-              <a:t>Algorithme </a:t>
-            </a:r>
-            <a:r>
-              <a:rPr lang="fr-FR" sz="1400" dirty="0" smtClean="0">
-                <a:solidFill>
-                  <a:schemeClr val="accent2"/>
-                </a:solidFill>
-              </a:rPr>
-              <a:t>« Matérialisation partielle » du D111 - Calcul du bénéfice</a:t>
-            </a:r>
+              <a:t> (par mois ; par département ; par type de produit)</a:t>
+            </a:r>
+            <a:endParaRPr lang="fr-FR" sz="1600" b="1" dirty="0" smtClean="0"/>
           </a:p>
           <a:p>
             <a:pPr lvl="1">
@@ -10439,41 +9176,348 @@
               <a:spcAft>
                 <a:spcPts val="300"/>
               </a:spcAft>
+              <a:buFont typeface="Wingdings" pitchFamily="2" charset="2"/>
+              <a:buChar char="Ø"/>
             </a:pPr>
             <a:r>
-              <a:rPr lang="fr-FR" sz="1400" b="1" dirty="0" smtClean="0">
-                <a:solidFill>
-                  <a:schemeClr val="accent2"/>
-                </a:solidFill>
+              <a:rPr lang="fr-FR" sz="1400" b="1" dirty="0" smtClean="0"/>
+              <a:t>  Report R5 </a:t>
+            </a:r>
+            <a:r>
+              <a:rPr lang="fr-FR" sz="1400" dirty="0" smtClean="0"/>
+              <a:t>: Evolution du </a:t>
+            </a:r>
+            <a:r>
+              <a:rPr lang="fr-FR" sz="1400" u="sng" dirty="0" smtClean="0"/>
+              <a:t>vol des ventes</a:t>
+            </a:r>
+            <a:r>
+              <a:rPr lang="fr-FR" sz="1400" dirty="0" smtClean="0"/>
+              <a:t> par </a:t>
+            </a:r>
+            <a:r>
+              <a:rPr lang="fr-FR" sz="1400" u="sng" dirty="0" smtClean="0"/>
+              <a:t>mois</a:t>
+            </a:r>
+            <a:r>
+              <a:rPr lang="fr-FR" sz="1400" dirty="0" smtClean="0"/>
+              <a:t> sur la </a:t>
+            </a:r>
+            <a:r>
+              <a:rPr lang="fr-FR" sz="1400" u="sng" dirty="0" smtClean="0"/>
+              <a:t>France entière</a:t>
+            </a:r>
+            <a:r>
+              <a:rPr lang="fr-FR" sz="1400" dirty="0" smtClean="0"/>
+              <a:t> par </a:t>
+            </a:r>
+            <a:r>
+              <a:rPr lang="fr-FR" sz="1400" u="sng" dirty="0" smtClean="0"/>
+              <a:t>rayon de produit</a:t>
+            </a:r>
+          </a:p>
+          <a:p>
+            <a:pPr lvl="1">
+              <a:spcBef>
+                <a:spcPts val="300"/>
+              </a:spcBef>
+              <a:spcAft>
+                <a:spcPts val="300"/>
+              </a:spcAft>
+              <a:buFont typeface="Wingdings" pitchFamily="2" charset="2"/>
+              <a:buChar char="Ø"/>
+            </a:pPr>
+            <a:r>
+              <a:rPr lang="fr-FR" sz="1400" b="1" dirty="0" smtClean="0"/>
+              <a:t>  Report R6 </a:t>
+            </a:r>
+            <a:r>
+              <a:rPr lang="fr-FR" sz="1400" dirty="0" smtClean="0"/>
+              <a:t>: Evolution du </a:t>
+            </a:r>
+            <a:r>
+              <a:rPr lang="fr-FR" sz="1400" u="sng" dirty="0" smtClean="0"/>
+              <a:t>vol des ventes</a:t>
+            </a:r>
+            <a:r>
+              <a:rPr lang="fr-FR" sz="1400" dirty="0" smtClean="0"/>
+              <a:t> par </a:t>
+            </a:r>
+            <a:r>
+              <a:rPr lang="fr-FR" sz="1400" u="sng" dirty="0" smtClean="0"/>
+              <a:t>mois</a:t>
+            </a:r>
+            <a:r>
+              <a:rPr lang="fr-FR" sz="1400" dirty="0" smtClean="0"/>
+              <a:t> sur la </a:t>
+            </a:r>
+            <a:r>
+              <a:rPr lang="fr-FR" sz="1400" u="sng" dirty="0" smtClean="0"/>
+              <a:t>France entière</a:t>
+            </a:r>
+            <a:r>
+              <a:rPr lang="fr-FR" sz="1400" dirty="0" smtClean="0"/>
+              <a:t> par </a:t>
+            </a:r>
+            <a:r>
+              <a:rPr lang="fr-FR" sz="1400" u="sng" dirty="0" smtClean="0"/>
+              <a:t>famille de produit</a:t>
+            </a:r>
+          </a:p>
+          <a:p>
+            <a:pPr lvl="1">
+              <a:spcBef>
+                <a:spcPts val="300"/>
+              </a:spcBef>
+              <a:spcAft>
+                <a:spcPts val="300"/>
+              </a:spcAft>
+              <a:buFont typeface="Wingdings" pitchFamily="2" charset="2"/>
+              <a:buChar char="Ø"/>
+            </a:pPr>
+            <a:r>
+              <a:rPr lang="fr-FR" sz="1400" dirty="0" smtClean="0"/>
+              <a:t>  </a:t>
+            </a:r>
+            <a:r>
+              <a:rPr lang="fr-FR" sz="1400" b="1" dirty="0" smtClean="0"/>
+              <a:t>Report R7 </a:t>
+            </a:r>
+            <a:r>
+              <a:rPr lang="fr-FR" sz="1400" dirty="0" smtClean="0"/>
+              <a:t>: Evolution du </a:t>
+            </a:r>
+            <a:r>
+              <a:rPr lang="fr-FR" sz="1400" u="sng" dirty="0" smtClean="0"/>
+              <a:t>vol des ventes</a:t>
+            </a:r>
+            <a:r>
+              <a:rPr lang="fr-FR" sz="1400" dirty="0" smtClean="0"/>
+              <a:t> par </a:t>
+            </a:r>
+            <a:r>
+              <a:rPr lang="fr-FR" sz="1400" u="sng" dirty="0" smtClean="0"/>
+              <a:t>mois</a:t>
+            </a:r>
+            <a:r>
+              <a:rPr lang="fr-FR" sz="1400" dirty="0" smtClean="0"/>
+              <a:t> par </a:t>
+            </a:r>
+            <a:r>
+              <a:rPr lang="fr-FR" sz="1400" u="sng" dirty="0" smtClean="0"/>
+              <a:t>département</a:t>
+            </a:r>
+            <a:r>
+              <a:rPr lang="fr-FR" sz="1400" dirty="0" smtClean="0"/>
+              <a:t> et par </a:t>
+            </a:r>
+            <a:r>
+              <a:rPr lang="fr-FR" sz="1400" u="sng" dirty="0" smtClean="0"/>
+              <a:t>rayon de produit</a:t>
+            </a:r>
+          </a:p>
+          <a:p>
+            <a:pPr lvl="1">
+              <a:spcBef>
+                <a:spcPts val="300"/>
+              </a:spcBef>
+              <a:spcAft>
+                <a:spcPts val="300"/>
+              </a:spcAft>
+              <a:buFont typeface="Wingdings" pitchFamily="2" charset="2"/>
+              <a:buChar char="Ø"/>
+            </a:pPr>
+            <a:r>
+              <a:rPr lang="fr-FR" sz="1400" b="1" dirty="0" smtClean="0"/>
+              <a:t>  Report R8 </a:t>
+            </a:r>
+            <a:r>
+              <a:rPr lang="fr-FR" sz="1400" dirty="0" smtClean="0"/>
+              <a:t>: Evolution du </a:t>
+            </a:r>
+            <a:r>
+              <a:rPr lang="fr-FR" sz="1400" u="sng" dirty="0" smtClean="0"/>
+              <a:t>vol des ventes</a:t>
+            </a:r>
+            <a:r>
+              <a:rPr lang="fr-FR" sz="1400" dirty="0" smtClean="0"/>
+              <a:t> par </a:t>
+            </a:r>
+            <a:r>
+              <a:rPr lang="fr-FR" sz="1400" u="sng" dirty="0" smtClean="0"/>
+              <a:t>mois</a:t>
+            </a:r>
+            <a:r>
+              <a:rPr lang="fr-FR" sz="1400" dirty="0" smtClean="0"/>
+              <a:t> par </a:t>
+            </a:r>
+            <a:r>
+              <a:rPr lang="fr-FR" sz="1400" u="sng" dirty="0" smtClean="0"/>
+              <a:t>département</a:t>
+            </a:r>
+            <a:r>
+              <a:rPr lang="fr-FR" sz="1400" dirty="0" smtClean="0"/>
+              <a:t> et par </a:t>
+            </a:r>
+            <a:r>
+              <a:rPr lang="fr-FR" sz="1400" u="sng" dirty="0" smtClean="0"/>
+              <a:t>famille de produit</a:t>
+            </a:r>
+            <a:endParaRPr lang="fr-FR" sz="1400" b="1" u="sng" dirty="0" smtClean="0"/>
+          </a:p>
+          <a:p>
+            <a:pPr>
+              <a:spcBef>
+                <a:spcPts val="300"/>
+              </a:spcBef>
+              <a:spcAft>
+                <a:spcPts val="300"/>
+              </a:spcAft>
+            </a:pPr>
+            <a:endParaRPr lang="fr-FR" sz="1600" b="1" u="sng" dirty="0" smtClean="0"/>
+          </a:p>
+          <a:p>
+            <a:pPr>
+              <a:spcBef>
+                <a:spcPts val="300"/>
+              </a:spcBef>
+              <a:spcAft>
+                <a:spcPts val="300"/>
+              </a:spcAft>
+            </a:pPr>
+            <a:r>
+              <a:rPr lang="fr-FR" sz="1600" dirty="0" smtClean="0"/>
+              <a:t>Evolution</a:t>
+            </a:r>
+            <a:r>
+              <a:rPr lang="fr-FR" sz="1600" b="1" dirty="0" smtClean="0"/>
+              <a:t> (</a:t>
+            </a:r>
+            <a:r>
+              <a:rPr lang="fr-FR" sz="1600" dirty="0" smtClean="0"/>
+              <a:t>du taux de percée) </a:t>
+            </a:r>
+            <a:r>
+              <a:rPr lang="fr-FR" sz="1600" dirty="0" smtClean="0">
+                <a:sym typeface="Symbol"/>
               </a:rPr>
-              <a:t>End </a:t>
-            </a:r>
-            <a:r>
-              <a:rPr lang="fr-FR" sz="1400" b="1" dirty="0" err="1" smtClean="0">
-                <a:solidFill>
-                  <a:schemeClr val="accent2"/>
-                </a:solidFill>
+              <a:t></a:t>
+            </a:r>
+            <a:r>
+              <a:rPr lang="fr-FR" sz="1600" dirty="0" smtClean="0"/>
+              <a:t> </a:t>
+            </a:r>
+            <a:r>
+              <a:rPr lang="fr-FR" sz="1600" dirty="0" smtClean="0">
+                <a:sym typeface="Symbol"/>
               </a:rPr>
-              <a:t>While</a:t>
-            </a:r>
-            <a:endParaRPr lang="fr-FR" sz="1400" b="1" dirty="0" smtClean="0">
-              <a:solidFill>
-                <a:schemeClr val="accent2"/>
-              </a:solidFill>
-            </a:endParaRPr>
-          </a:p>
-        </p:txBody>
-      </p:sp>
-      <p:sp>
-        <p:nvSpPr>
-          <p:cNvPr id="9" name="ZoneTexte 8"/>
+              <a:t>(par mois ; par département ; par magasin)</a:t>
+            </a:r>
+            <a:endParaRPr lang="fr-FR" sz="1600" b="1" dirty="0" smtClean="0"/>
+          </a:p>
+          <a:p>
+            <a:pPr lvl="1">
+              <a:spcBef>
+                <a:spcPts val="300"/>
+              </a:spcBef>
+              <a:spcAft>
+                <a:spcPts val="300"/>
+              </a:spcAft>
+              <a:buFont typeface="Wingdings" pitchFamily="2" charset="2"/>
+              <a:buChar char="Ø"/>
+            </a:pPr>
+            <a:r>
+              <a:rPr lang="fr-FR" sz="1400" b="1" dirty="0" smtClean="0"/>
+              <a:t>  Report R9 </a:t>
+            </a:r>
+            <a:r>
+              <a:rPr lang="fr-FR" sz="1400" dirty="0" smtClean="0"/>
+              <a:t>: Evolution du </a:t>
+            </a:r>
+            <a:r>
+              <a:rPr lang="fr-FR" sz="1400" u="sng" dirty="0" smtClean="0"/>
+              <a:t>taux de percée</a:t>
+            </a:r>
+            <a:r>
+              <a:rPr lang="fr-FR" sz="1400" dirty="0" smtClean="0"/>
+              <a:t> </a:t>
+            </a:r>
+            <a:r>
+              <a:rPr lang="fr-FR" sz="1400" u="sng" dirty="0" smtClean="0"/>
+              <a:t>par mois</a:t>
+            </a:r>
+            <a:r>
+              <a:rPr lang="fr-FR" sz="1400" dirty="0" smtClean="0"/>
+              <a:t> et </a:t>
+            </a:r>
+            <a:r>
+              <a:rPr lang="fr-FR" sz="1400" u="sng" dirty="0" smtClean="0"/>
+              <a:t>par magasin</a:t>
+            </a:r>
+          </a:p>
+          <a:p>
+            <a:pPr lvl="1">
+              <a:spcBef>
+                <a:spcPts val="300"/>
+              </a:spcBef>
+              <a:spcAft>
+                <a:spcPts val="300"/>
+              </a:spcAft>
+              <a:buFont typeface="Wingdings" pitchFamily="2" charset="2"/>
+              <a:buChar char="Ø"/>
+            </a:pPr>
+            <a:r>
+              <a:rPr lang="fr-FR" sz="1400" b="1" dirty="0" smtClean="0"/>
+              <a:t>  Report R10 </a:t>
+            </a:r>
+            <a:r>
+              <a:rPr lang="fr-FR" sz="1400" dirty="0" smtClean="0"/>
+              <a:t>: Evolution du </a:t>
+            </a:r>
+            <a:r>
+              <a:rPr lang="fr-FR" sz="1400" u="sng" dirty="0" smtClean="0"/>
+              <a:t>taux de percée</a:t>
+            </a:r>
+            <a:r>
+              <a:rPr lang="fr-FR" sz="1400" dirty="0" smtClean="0"/>
+              <a:t> </a:t>
+            </a:r>
+            <a:r>
+              <a:rPr lang="fr-FR" sz="1400" u="sng" dirty="0" smtClean="0"/>
+              <a:t>par mois</a:t>
+            </a:r>
+            <a:r>
+              <a:rPr lang="fr-FR" sz="1400" dirty="0" smtClean="0"/>
+              <a:t> et </a:t>
+            </a:r>
+            <a:r>
+              <a:rPr lang="fr-FR" sz="1400" u="sng" dirty="0" smtClean="0"/>
+              <a:t>par département</a:t>
+            </a:r>
+          </a:p>
+          <a:p>
+            <a:pPr>
+              <a:spcBef>
+                <a:spcPts val="300"/>
+              </a:spcBef>
+              <a:spcAft>
+                <a:spcPts val="300"/>
+              </a:spcAft>
+            </a:pPr>
+            <a:endParaRPr lang="fr-FR" sz="1600" b="1" u="sng" dirty="0" smtClean="0"/>
+          </a:p>
+        </p:txBody>
+      </p:sp>
+      <p:sp>
+        <p:nvSpPr>
+          <p:cNvPr id="4" name="ZoneTexte 3"/>
           <p:cNvSpPr txBox="1"/>
           <p:nvPr/>
         </p:nvSpPr>
         <p:spPr>
           <a:xfrm>
-            <a:off x="251520" y="4653136"/>
-            <a:ext cx="2592288" cy="646331"/>
+            <a:off x="5220072" y="5837676"/>
+            <a:ext cx="3240360" cy="307777"/>
           </a:xfrm>
           <a:prstGeom prst="rect">
             <a:avLst/>
@@ -10481,13 +9525,13 @@
         </p:spPr>
         <p:style>
           <a:lnRef idx="1">
-            <a:schemeClr val="accent1"/>
+            <a:schemeClr val="accent5"/>
           </a:lnRef>
           <a:fillRef idx="2">
-            <a:schemeClr val="accent1"/>
+            <a:schemeClr val="accent5"/>
           </a:fillRef>
           <a:effectRef idx="1">
-            <a:schemeClr val="accent1"/>
+            <a:schemeClr val="accent5"/>
           </a:effectRef>
           <a:fontRef idx="minor">
             <a:schemeClr val="dk1"/>
@@ -10500,25 +9544,21 @@
           <a:lstStyle/>
           <a:p>
             <a:r>
-              <a:rPr lang="fr-FR" dirty="0" smtClean="0"/>
-              <a:t>Algorithme « D111 </a:t>
-            </a:r>
-            <a:r>
-              <a:rPr lang="fr-FR" dirty="0" err="1" smtClean="0"/>
-              <a:t>like</a:t>
-            </a:r>
-            <a:r>
-              <a:rPr lang="fr-FR" dirty="0" smtClean="0"/>
-              <a:t> » : Matérialisation partielle »</a:t>
-            </a:r>
-            <a:endParaRPr lang="fr-FR" dirty="0"/>
+              <a:rPr lang="fr-FR" sz="1400" b="1" dirty="0" smtClean="0"/>
+              <a:t>Olivier : </a:t>
+            </a:r>
+            <a:r>
+              <a:rPr lang="fr-FR" sz="1400" dirty="0" smtClean="0"/>
+              <a:t>Remplir la population des villes</a:t>
+            </a:r>
+            <a:endParaRPr lang="fr-FR" sz="1400" dirty="0" smtClean="0"/>
           </a:p>
         </p:txBody>
       </p:sp>
     </p:spTree>
     <p:extLst>
       <p:ext uri="{BB962C8B-B14F-4D97-AF65-F5344CB8AC3E}">
-        <p14:creationId xmlns:p14="http://schemas.microsoft.com/office/powerpoint/2010/main" xmlns="" val="593714746"/>
+        <p14:creationId xmlns:p14="http://schemas.microsoft.com/office/powerpoint/2010/main" val="593714746"/>
       </p:ext>
     </p:extLst>
   </p:cSld>
